--- a/figures/speed_triangles_2.pptx
+++ b/figures/speed_triangles_2.pptx
@@ -259,7 +259,7 @@
           <a:p>
             <a:fld id="{A6E2C317-66DB-4326-8236-4682C01F4A41}" type="datetimeFigureOut">
               <a:rPr lang="en-US" smtClean="0"/>
-              <a:t>10-Mar-19</a:t>
+              <a:t>3/17/2019</a:t>
             </a:fld>
             <a:endParaRPr lang="en-US"/>
           </a:p>
@@ -457,7 +457,7 @@
           <a:p>
             <a:fld id="{A6E2C317-66DB-4326-8236-4682C01F4A41}" type="datetimeFigureOut">
               <a:rPr lang="en-US" smtClean="0"/>
-              <a:t>10-Mar-19</a:t>
+              <a:t>3/17/2019</a:t>
             </a:fld>
             <a:endParaRPr lang="en-US"/>
           </a:p>
@@ -665,7 +665,7 @@
           <a:p>
             <a:fld id="{A6E2C317-66DB-4326-8236-4682C01F4A41}" type="datetimeFigureOut">
               <a:rPr lang="en-US" smtClean="0"/>
-              <a:t>10-Mar-19</a:t>
+              <a:t>3/17/2019</a:t>
             </a:fld>
             <a:endParaRPr lang="en-US"/>
           </a:p>
@@ -863,7 +863,7 @@
           <a:p>
             <a:fld id="{A6E2C317-66DB-4326-8236-4682C01F4A41}" type="datetimeFigureOut">
               <a:rPr lang="en-US" smtClean="0"/>
-              <a:t>10-Mar-19</a:t>
+              <a:t>3/17/2019</a:t>
             </a:fld>
             <a:endParaRPr lang="en-US"/>
           </a:p>
@@ -1138,7 +1138,7 @@
           <a:p>
             <a:fld id="{A6E2C317-66DB-4326-8236-4682C01F4A41}" type="datetimeFigureOut">
               <a:rPr lang="en-US" smtClean="0"/>
-              <a:t>10-Mar-19</a:t>
+              <a:t>3/17/2019</a:t>
             </a:fld>
             <a:endParaRPr lang="en-US"/>
           </a:p>
@@ -1403,7 +1403,7 @@
           <a:p>
             <a:fld id="{A6E2C317-66DB-4326-8236-4682C01F4A41}" type="datetimeFigureOut">
               <a:rPr lang="en-US" smtClean="0"/>
-              <a:t>10-Mar-19</a:t>
+              <a:t>3/17/2019</a:t>
             </a:fld>
             <a:endParaRPr lang="en-US"/>
           </a:p>
@@ -1815,7 +1815,7 @@
           <a:p>
             <a:fld id="{A6E2C317-66DB-4326-8236-4682C01F4A41}" type="datetimeFigureOut">
               <a:rPr lang="en-US" smtClean="0"/>
-              <a:t>10-Mar-19</a:t>
+              <a:t>3/17/2019</a:t>
             </a:fld>
             <a:endParaRPr lang="en-US"/>
           </a:p>
@@ -1956,7 +1956,7 @@
           <a:p>
             <a:fld id="{A6E2C317-66DB-4326-8236-4682C01F4A41}" type="datetimeFigureOut">
               <a:rPr lang="en-US" smtClean="0"/>
-              <a:t>10-Mar-19</a:t>
+              <a:t>3/17/2019</a:t>
             </a:fld>
             <a:endParaRPr lang="en-US"/>
           </a:p>
@@ -2069,7 +2069,7 @@
           <a:p>
             <a:fld id="{A6E2C317-66DB-4326-8236-4682C01F4A41}" type="datetimeFigureOut">
               <a:rPr lang="en-US" smtClean="0"/>
-              <a:t>10-Mar-19</a:t>
+              <a:t>3/17/2019</a:t>
             </a:fld>
             <a:endParaRPr lang="en-US"/>
           </a:p>
@@ -2380,7 +2380,7 @@
           <a:p>
             <a:fld id="{A6E2C317-66DB-4326-8236-4682C01F4A41}" type="datetimeFigureOut">
               <a:rPr lang="en-US" smtClean="0"/>
-              <a:t>10-Mar-19</a:t>
+              <a:t>3/17/2019</a:t>
             </a:fld>
             <a:endParaRPr lang="en-US"/>
           </a:p>
@@ -2668,7 +2668,7 @@
           <a:p>
             <a:fld id="{A6E2C317-66DB-4326-8236-4682C01F4A41}" type="datetimeFigureOut">
               <a:rPr lang="en-US" smtClean="0"/>
-              <a:t>10-Mar-19</a:t>
+              <a:t>3/17/2019</a:t>
             </a:fld>
             <a:endParaRPr lang="en-US"/>
           </a:p>
@@ -2909,7 +2909,7 @@
           <a:p>
             <a:fld id="{A6E2C317-66DB-4326-8236-4682C01F4A41}" type="datetimeFigureOut">
               <a:rPr lang="en-US" smtClean="0"/>
-              <a:t>10-Mar-19</a:t>
+              <a:t>3/17/2019</a:t>
             </a:fld>
             <a:endParaRPr lang="en-US"/>
           </a:p>
@@ -4160,6 +4160,552 @@
           </a:p>
         </p:txBody>
       </p:sp>
+      <p:cxnSp>
+        <p:nvCxnSpPr>
+          <p:cNvPr id="6" name="Straight Connector 5">
+            <a:extLst>
+              <a:ext uri="{FF2B5EF4-FFF2-40B4-BE49-F238E27FC236}">
+                <a16:creationId xmlns:a16="http://schemas.microsoft.com/office/drawing/2014/main" id="{D0D3BE4A-3399-41B8-9121-1AA0D8D9520A}"/>
+              </a:ext>
+            </a:extLst>
+          </p:cNvPr>
+          <p:cNvCxnSpPr>
+            <a:cxnSpLocks/>
+          </p:cNvCxnSpPr>
+          <p:nvPr/>
+        </p:nvCxnSpPr>
+        <p:spPr>
+          <a:xfrm>
+            <a:off x="5448988" y="2916680"/>
+            <a:ext cx="0" cy="2935480"/>
+          </a:xfrm>
+          <a:prstGeom prst="line">
+            <a:avLst/>
+          </a:prstGeom>
+          <a:ln w="6350" cap="flat" cmpd="sng" algn="ctr">
+            <a:solidFill>
+              <a:schemeClr val="dk1"/>
+            </a:solidFill>
+            <a:prstDash val="dash"/>
+            <a:round/>
+            <a:headEnd type="none" w="med" len="med"/>
+            <a:tailEnd type="none" w="med" len="med"/>
+          </a:ln>
+        </p:spPr>
+        <p:style>
+          <a:lnRef idx="0">
+            <a:scrgbClr r="0" g="0" b="0"/>
+          </a:lnRef>
+          <a:fillRef idx="0">
+            <a:scrgbClr r="0" g="0" b="0"/>
+          </a:fillRef>
+          <a:effectRef idx="0">
+            <a:scrgbClr r="0" g="0" b="0"/>
+          </a:effectRef>
+          <a:fontRef idx="minor">
+            <a:schemeClr val="tx1"/>
+          </a:fontRef>
+        </p:style>
+      </p:cxnSp>
+      <p:cxnSp>
+        <p:nvCxnSpPr>
+          <p:cNvPr id="26" name="Straight Connector 25">
+            <a:extLst>
+              <a:ext uri="{FF2B5EF4-FFF2-40B4-BE49-F238E27FC236}">
+                <a16:creationId xmlns:a16="http://schemas.microsoft.com/office/drawing/2014/main" id="{CB781BE3-1B00-4B27-B44D-339799F6255A}"/>
+              </a:ext>
+            </a:extLst>
+          </p:cNvPr>
+          <p:cNvCxnSpPr>
+            <a:cxnSpLocks/>
+          </p:cNvCxnSpPr>
+          <p:nvPr/>
+        </p:nvCxnSpPr>
+        <p:spPr>
+          <a:xfrm>
+            <a:off x="10125336" y="792480"/>
+            <a:ext cx="0" cy="2844127"/>
+          </a:xfrm>
+          <a:prstGeom prst="line">
+            <a:avLst/>
+          </a:prstGeom>
+          <a:ln w="6350" cap="flat" cmpd="sng" algn="ctr">
+            <a:solidFill>
+              <a:schemeClr val="dk1"/>
+            </a:solidFill>
+            <a:prstDash val="dash"/>
+            <a:round/>
+            <a:headEnd type="none" w="med" len="med"/>
+            <a:tailEnd type="none" w="med" len="med"/>
+          </a:ln>
+        </p:spPr>
+        <p:style>
+          <a:lnRef idx="0">
+            <a:scrgbClr r="0" g="0" b="0"/>
+          </a:lnRef>
+          <a:fillRef idx="0">
+            <a:scrgbClr r="0" g="0" b="0"/>
+          </a:fillRef>
+          <a:effectRef idx="0">
+            <a:scrgbClr r="0" g="0" b="0"/>
+          </a:effectRef>
+          <a:fontRef idx="minor">
+            <a:schemeClr val="tx1"/>
+          </a:fontRef>
+        </p:style>
+      </p:cxnSp>
+      <p:sp>
+        <p:nvSpPr>
+          <p:cNvPr id="28" name="Arc 27">
+            <a:extLst>
+              <a:ext uri="{FF2B5EF4-FFF2-40B4-BE49-F238E27FC236}">
+                <a16:creationId xmlns:a16="http://schemas.microsoft.com/office/drawing/2014/main" id="{1C94705F-8A50-4CC8-A3D2-25F672B2032B}"/>
+              </a:ext>
+            </a:extLst>
+          </p:cNvPr>
+          <p:cNvSpPr/>
+          <p:nvPr/>
+        </p:nvSpPr>
+        <p:spPr>
+          <a:xfrm rot="20808730">
+            <a:off x="5319897" y="3255210"/>
+            <a:ext cx="342173" cy="333486"/>
+          </a:xfrm>
+          <a:prstGeom prst="arc">
+            <a:avLst/>
+          </a:prstGeom>
+          <a:ln w="9525" cap="flat" cmpd="sng" algn="ctr">
+            <a:solidFill>
+              <a:srgbClr val="00B0F0"/>
+            </a:solidFill>
+            <a:prstDash val="solid"/>
+            <a:round/>
+            <a:headEnd type="arrow" w="med" len="med"/>
+            <a:tailEnd type="arrow" w="med" len="med"/>
+          </a:ln>
+        </p:spPr>
+        <p:style>
+          <a:lnRef idx="0">
+            <a:scrgbClr r="0" g="0" b="0"/>
+          </a:lnRef>
+          <a:fillRef idx="0">
+            <a:scrgbClr r="0" g="0" b="0"/>
+          </a:fillRef>
+          <a:effectRef idx="0">
+            <a:scrgbClr r="0" g="0" b="0"/>
+          </a:effectRef>
+          <a:fontRef idx="minor">
+            <a:schemeClr val="tx1"/>
+          </a:fontRef>
+        </p:style>
+        <p:txBody>
+          <a:bodyPr rtlCol="0" anchor="ctr"/>
+          <a:lstStyle/>
+          <a:p>
+            <a:pPr algn="ctr"/>
+            <a:endParaRPr lang="en-US">
+              <a:solidFill>
+                <a:srgbClr val="00B0F0"/>
+              </a:solidFill>
+            </a:endParaRPr>
+          </a:p>
+        </p:txBody>
+      </p:sp>
+      <p:sp>
+        <p:nvSpPr>
+          <p:cNvPr id="29" name="Arc 28">
+            <a:extLst>
+              <a:ext uri="{FF2B5EF4-FFF2-40B4-BE49-F238E27FC236}">
+                <a16:creationId xmlns:a16="http://schemas.microsoft.com/office/drawing/2014/main" id="{4273FBBA-3650-4185-852D-37AFEFC00B5B}"/>
+              </a:ext>
+            </a:extLst>
+          </p:cNvPr>
+          <p:cNvSpPr/>
+          <p:nvPr/>
+        </p:nvSpPr>
+        <p:spPr>
+          <a:xfrm rot="7250106">
+            <a:off x="5385692" y="3668644"/>
+            <a:ext cx="287002" cy="374124"/>
+          </a:xfrm>
+          <a:prstGeom prst="arc">
+            <a:avLst/>
+          </a:prstGeom>
+          <a:ln w="9525" cap="flat" cmpd="sng" algn="ctr">
+            <a:solidFill>
+              <a:schemeClr val="tx1"/>
+            </a:solidFill>
+            <a:prstDash val="solid"/>
+            <a:round/>
+            <a:headEnd type="arrow" w="med" len="med"/>
+            <a:tailEnd type="arrow" w="med" len="med"/>
+          </a:ln>
+        </p:spPr>
+        <p:style>
+          <a:lnRef idx="0">
+            <a:scrgbClr r="0" g="0" b="0"/>
+          </a:lnRef>
+          <a:fillRef idx="0">
+            <a:scrgbClr r="0" g="0" b="0"/>
+          </a:fillRef>
+          <a:effectRef idx="0">
+            <a:scrgbClr r="0" g="0" b="0"/>
+          </a:effectRef>
+          <a:fontRef idx="minor">
+            <a:schemeClr val="tx1"/>
+          </a:fontRef>
+        </p:style>
+        <p:txBody>
+          <a:bodyPr rtlCol="0" anchor="ctr"/>
+          <a:lstStyle/>
+          <a:p>
+            <a:pPr algn="ctr"/>
+            <a:endParaRPr lang="en-US"/>
+          </a:p>
+        </p:txBody>
+      </p:sp>
+      <p:sp>
+        <p:nvSpPr>
+          <p:cNvPr id="30" name="TextBox 29">
+            <a:extLst>
+              <a:ext uri="{FF2B5EF4-FFF2-40B4-BE49-F238E27FC236}">
+                <a16:creationId xmlns:a16="http://schemas.microsoft.com/office/drawing/2014/main" id="{CAEB2ABD-6E75-4BC7-8FA1-1BE465100844}"/>
+              </a:ext>
+            </a:extLst>
+          </p:cNvPr>
+          <p:cNvSpPr txBox="1"/>
+          <p:nvPr/>
+        </p:nvSpPr>
+        <p:spPr>
+          <a:xfrm>
+            <a:off x="5497779" y="3005953"/>
+            <a:ext cx="409233" cy="276999"/>
+          </a:xfrm>
+          <a:prstGeom prst="rect">
+            <a:avLst/>
+          </a:prstGeom>
+          <a:noFill/>
+        </p:spPr>
+        <p:txBody>
+          <a:bodyPr wrap="square" rtlCol="0">
+            <a:spAutoFit/>
+          </a:bodyPr>
+          <a:lstStyle/>
+          <a:p>
+            <a:r>
+              <a:rPr lang="el-GR" sz="1200" dirty="0">
+                <a:solidFill>
+                  <a:srgbClr val="00B0F0"/>
+                </a:solidFill>
+              </a:rPr>
+              <a:t>β</a:t>
+            </a:r>
+            <a:r>
+              <a:rPr lang="en-US" sz="1200" baseline="-25000" dirty="0">
+                <a:solidFill>
+                  <a:srgbClr val="00B0F0"/>
+                </a:solidFill>
+              </a:rPr>
+              <a:t>2</a:t>
+            </a:r>
+            <a:endParaRPr lang="en-US" sz="1200" dirty="0">
+              <a:solidFill>
+                <a:srgbClr val="00B0F0"/>
+              </a:solidFill>
+            </a:endParaRPr>
+          </a:p>
+        </p:txBody>
+      </p:sp>
+      <p:sp>
+        <p:nvSpPr>
+          <p:cNvPr id="31" name="TextBox 30">
+            <a:extLst>
+              <a:ext uri="{FF2B5EF4-FFF2-40B4-BE49-F238E27FC236}">
+                <a16:creationId xmlns:a16="http://schemas.microsoft.com/office/drawing/2014/main" id="{B4726EB7-9C34-48FF-90C5-1D85C53F88C2}"/>
+              </a:ext>
+            </a:extLst>
+          </p:cNvPr>
+          <p:cNvSpPr txBox="1"/>
+          <p:nvPr/>
+        </p:nvSpPr>
+        <p:spPr>
+          <a:xfrm>
+            <a:off x="5448987" y="3971479"/>
+            <a:ext cx="409233" cy="276999"/>
+          </a:xfrm>
+          <a:prstGeom prst="rect">
+            <a:avLst/>
+          </a:prstGeom>
+          <a:noFill/>
+        </p:spPr>
+        <p:txBody>
+          <a:bodyPr wrap="square" rtlCol="0">
+            <a:spAutoFit/>
+          </a:bodyPr>
+          <a:lstStyle/>
+          <a:p>
+            <a:r>
+              <a:rPr lang="el-GR" sz="1200" dirty="0"/>
+              <a:t>α</a:t>
+            </a:r>
+            <a:r>
+              <a:rPr lang="en-US" sz="1200" baseline="-25000" dirty="0"/>
+              <a:t>2</a:t>
+            </a:r>
+            <a:endParaRPr lang="en-US" sz="1200" dirty="0"/>
+          </a:p>
+        </p:txBody>
+      </p:sp>
+      <p:sp>
+        <p:nvSpPr>
+          <p:cNvPr id="32" name="TextBox 31">
+            <a:extLst>
+              <a:ext uri="{FF2B5EF4-FFF2-40B4-BE49-F238E27FC236}">
+                <a16:creationId xmlns:a16="http://schemas.microsoft.com/office/drawing/2014/main" id="{FBC15285-F5DA-4028-9A15-2E80F0F08AB1}"/>
+              </a:ext>
+            </a:extLst>
+          </p:cNvPr>
+          <p:cNvSpPr txBox="1"/>
+          <p:nvPr/>
+        </p:nvSpPr>
+        <p:spPr>
+          <a:xfrm>
+            <a:off x="10125335" y="2545872"/>
+            <a:ext cx="409233" cy="276999"/>
+          </a:xfrm>
+          <a:prstGeom prst="rect">
+            <a:avLst/>
+          </a:prstGeom>
+          <a:noFill/>
+        </p:spPr>
+        <p:txBody>
+          <a:bodyPr wrap="square" rtlCol="0">
+            <a:spAutoFit/>
+          </a:bodyPr>
+          <a:lstStyle/>
+          <a:p>
+            <a:r>
+              <a:rPr lang="el-GR" sz="1200" dirty="0">
+                <a:solidFill>
+                  <a:srgbClr val="00B0F0"/>
+                </a:solidFill>
+              </a:rPr>
+              <a:t>β</a:t>
+            </a:r>
+            <a:r>
+              <a:rPr lang="en-US" sz="1200" baseline="-25000" dirty="0">
+                <a:solidFill>
+                  <a:srgbClr val="00B0F0"/>
+                </a:solidFill>
+              </a:rPr>
+              <a:t>3</a:t>
+            </a:r>
+            <a:endParaRPr lang="en-US" sz="1200" dirty="0">
+              <a:solidFill>
+                <a:srgbClr val="00B0F0"/>
+              </a:solidFill>
+            </a:endParaRPr>
+          </a:p>
+        </p:txBody>
+      </p:sp>
+      <p:sp>
+        <p:nvSpPr>
+          <p:cNvPr id="33" name="Arc 32">
+            <a:extLst>
+              <a:ext uri="{FF2B5EF4-FFF2-40B4-BE49-F238E27FC236}">
+                <a16:creationId xmlns:a16="http://schemas.microsoft.com/office/drawing/2014/main" id="{A552AFCE-1A7D-43CD-9A21-691BC6A2A51F}"/>
+              </a:ext>
+            </a:extLst>
+          </p:cNvPr>
+          <p:cNvSpPr/>
+          <p:nvPr/>
+        </p:nvSpPr>
+        <p:spPr>
+          <a:xfrm rot="19911979">
+            <a:off x="10029045" y="2820693"/>
+            <a:ext cx="342173" cy="333486"/>
+          </a:xfrm>
+          <a:prstGeom prst="arc">
+            <a:avLst/>
+          </a:prstGeom>
+          <a:ln w="9525" cap="flat" cmpd="sng" algn="ctr">
+            <a:solidFill>
+              <a:srgbClr val="00B0F0"/>
+            </a:solidFill>
+            <a:prstDash val="solid"/>
+            <a:round/>
+            <a:headEnd type="arrow" w="med" len="med"/>
+            <a:tailEnd type="arrow" w="med" len="med"/>
+          </a:ln>
+        </p:spPr>
+        <p:style>
+          <a:lnRef idx="0">
+            <a:scrgbClr r="0" g="0" b="0"/>
+          </a:lnRef>
+          <a:fillRef idx="0">
+            <a:scrgbClr r="0" g="0" b="0"/>
+          </a:fillRef>
+          <a:effectRef idx="0">
+            <a:scrgbClr r="0" g="0" b="0"/>
+          </a:effectRef>
+          <a:fontRef idx="minor">
+            <a:schemeClr val="tx1"/>
+          </a:fontRef>
+        </p:style>
+        <p:txBody>
+          <a:bodyPr rtlCol="0" anchor="ctr"/>
+          <a:lstStyle/>
+          <a:p>
+            <a:pPr algn="ctr"/>
+            <a:endParaRPr lang="en-US">
+              <a:solidFill>
+                <a:srgbClr val="00B0F0"/>
+              </a:solidFill>
+            </a:endParaRPr>
+          </a:p>
+        </p:txBody>
+      </p:sp>
+      <p:cxnSp>
+        <p:nvCxnSpPr>
+          <p:cNvPr id="35" name="Straight Connector 34">
+            <a:extLst>
+              <a:ext uri="{FF2B5EF4-FFF2-40B4-BE49-F238E27FC236}">
+                <a16:creationId xmlns:a16="http://schemas.microsoft.com/office/drawing/2014/main" id="{62A1D2D2-4A65-4362-B0CC-2B3267FD23A6}"/>
+              </a:ext>
+            </a:extLst>
+          </p:cNvPr>
+          <p:cNvCxnSpPr>
+            <a:cxnSpLocks/>
+          </p:cNvCxnSpPr>
+          <p:nvPr/>
+        </p:nvCxnSpPr>
+        <p:spPr>
+          <a:xfrm>
+            <a:off x="6522192" y="2916680"/>
+            <a:ext cx="0" cy="2935480"/>
+          </a:xfrm>
+          <a:prstGeom prst="line">
+            <a:avLst/>
+          </a:prstGeom>
+          <a:ln w="6350" cap="flat" cmpd="sng" algn="ctr">
+            <a:solidFill>
+              <a:schemeClr val="dk1"/>
+            </a:solidFill>
+            <a:prstDash val="dash"/>
+            <a:round/>
+            <a:headEnd type="none" w="med" len="med"/>
+            <a:tailEnd type="none" w="med" len="med"/>
+          </a:ln>
+        </p:spPr>
+        <p:style>
+          <a:lnRef idx="0">
+            <a:scrgbClr r="0" g="0" b="0"/>
+          </a:lnRef>
+          <a:fillRef idx="0">
+            <a:scrgbClr r="0" g="0" b="0"/>
+          </a:fillRef>
+          <a:effectRef idx="0">
+            <a:scrgbClr r="0" g="0" b="0"/>
+          </a:effectRef>
+          <a:fontRef idx="minor">
+            <a:schemeClr val="tx1"/>
+          </a:fontRef>
+        </p:style>
+      </p:cxnSp>
+      <p:cxnSp>
+        <p:nvCxnSpPr>
+          <p:cNvPr id="36" name="Straight Connector 35">
+            <a:extLst>
+              <a:ext uri="{FF2B5EF4-FFF2-40B4-BE49-F238E27FC236}">
+                <a16:creationId xmlns:a16="http://schemas.microsoft.com/office/drawing/2014/main" id="{7F1FD5EB-6C1E-4050-B438-622AC1B1499C}"/>
+              </a:ext>
+            </a:extLst>
+          </p:cNvPr>
+          <p:cNvCxnSpPr>
+            <a:cxnSpLocks/>
+          </p:cNvCxnSpPr>
+          <p:nvPr/>
+        </p:nvCxnSpPr>
+        <p:spPr>
+          <a:xfrm>
+            <a:off x="6374651" y="5750998"/>
+            <a:ext cx="699296" cy="0"/>
+          </a:xfrm>
+          <a:prstGeom prst="line">
+            <a:avLst/>
+          </a:prstGeom>
+          <a:ln w="6350" cap="flat" cmpd="sng" algn="ctr">
+            <a:solidFill>
+              <a:schemeClr val="dk1"/>
+            </a:solidFill>
+            <a:prstDash val="dash"/>
+            <a:round/>
+            <a:headEnd type="none" w="med" len="med"/>
+            <a:tailEnd type="none" w="med" len="med"/>
+          </a:ln>
+        </p:spPr>
+        <p:style>
+          <a:lnRef idx="0">
+            <a:scrgbClr r="0" g="0" b="0"/>
+          </a:lnRef>
+          <a:fillRef idx="0">
+            <a:scrgbClr r="0" g="0" b="0"/>
+          </a:fillRef>
+          <a:effectRef idx="0">
+            <a:scrgbClr r="0" g="0" b="0"/>
+          </a:effectRef>
+          <a:fontRef idx="minor">
+            <a:schemeClr val="tx1"/>
+          </a:fontRef>
+        </p:style>
+      </p:cxnSp>
+      <p:cxnSp>
+        <p:nvCxnSpPr>
+          <p:cNvPr id="39" name="Straight Connector 38">
+            <a:extLst>
+              <a:ext uri="{FF2B5EF4-FFF2-40B4-BE49-F238E27FC236}">
+                <a16:creationId xmlns:a16="http://schemas.microsoft.com/office/drawing/2014/main" id="{ACBD9355-D2D2-49CD-A60C-C69AD4433D12}"/>
+              </a:ext>
+            </a:extLst>
+          </p:cNvPr>
+          <p:cNvCxnSpPr>
+            <a:cxnSpLocks/>
+          </p:cNvCxnSpPr>
+          <p:nvPr/>
+        </p:nvCxnSpPr>
+        <p:spPr>
+          <a:xfrm>
+            <a:off x="6347630" y="3215151"/>
+            <a:ext cx="699296" cy="0"/>
+          </a:xfrm>
+          <a:prstGeom prst="line">
+            <a:avLst/>
+          </a:prstGeom>
+          <a:ln w="6350" cap="flat" cmpd="sng" algn="ctr">
+            <a:solidFill>
+              <a:schemeClr val="dk1"/>
+            </a:solidFill>
+            <a:prstDash val="dash"/>
+            <a:round/>
+            <a:headEnd type="none" w="med" len="med"/>
+            <a:tailEnd type="none" w="med" len="med"/>
+          </a:ln>
+        </p:spPr>
+        <p:style>
+          <a:lnRef idx="0">
+            <a:scrgbClr r="0" g="0" b="0"/>
+          </a:lnRef>
+          <a:fillRef idx="0">
+            <a:scrgbClr r="0" g="0" b="0"/>
+          </a:fillRef>
+          <a:effectRef idx="0">
+            <a:scrgbClr r="0" g="0" b="0"/>
+          </a:effectRef>
+          <a:fontRef idx="minor">
+            <a:schemeClr val="tx1"/>
+          </a:fontRef>
+        </p:style>
+      </p:cxnSp>
     </p:spTree>
     <p:extLst>
       <p:ext uri="{BB962C8B-B14F-4D97-AF65-F5344CB8AC3E}">

--- a/figures/speed_triangles_2.pptx
+++ b/figures/speed_triangles_2.pptx
@@ -259,7 +259,7 @@
           <a:p>
             <a:fld id="{A6E2C317-66DB-4326-8236-4682C01F4A41}" type="datetimeFigureOut">
               <a:rPr lang="en-US" smtClean="0"/>
-              <a:t>3/17/2019</a:t>
+              <a:t>25-Mar-19</a:t>
             </a:fld>
             <a:endParaRPr lang="en-US"/>
           </a:p>
@@ -457,7 +457,7 @@
           <a:p>
             <a:fld id="{A6E2C317-66DB-4326-8236-4682C01F4A41}" type="datetimeFigureOut">
               <a:rPr lang="en-US" smtClean="0"/>
-              <a:t>3/17/2019</a:t>
+              <a:t>25-Mar-19</a:t>
             </a:fld>
             <a:endParaRPr lang="en-US"/>
           </a:p>
@@ -665,7 +665,7 @@
           <a:p>
             <a:fld id="{A6E2C317-66DB-4326-8236-4682C01F4A41}" type="datetimeFigureOut">
               <a:rPr lang="en-US" smtClean="0"/>
-              <a:t>3/17/2019</a:t>
+              <a:t>25-Mar-19</a:t>
             </a:fld>
             <a:endParaRPr lang="en-US"/>
           </a:p>
@@ -863,7 +863,7 @@
           <a:p>
             <a:fld id="{A6E2C317-66DB-4326-8236-4682C01F4A41}" type="datetimeFigureOut">
               <a:rPr lang="en-US" smtClean="0"/>
-              <a:t>3/17/2019</a:t>
+              <a:t>25-Mar-19</a:t>
             </a:fld>
             <a:endParaRPr lang="en-US"/>
           </a:p>
@@ -1138,7 +1138,7 @@
           <a:p>
             <a:fld id="{A6E2C317-66DB-4326-8236-4682C01F4A41}" type="datetimeFigureOut">
               <a:rPr lang="en-US" smtClean="0"/>
-              <a:t>3/17/2019</a:t>
+              <a:t>25-Mar-19</a:t>
             </a:fld>
             <a:endParaRPr lang="en-US"/>
           </a:p>
@@ -1403,7 +1403,7 @@
           <a:p>
             <a:fld id="{A6E2C317-66DB-4326-8236-4682C01F4A41}" type="datetimeFigureOut">
               <a:rPr lang="en-US" smtClean="0"/>
-              <a:t>3/17/2019</a:t>
+              <a:t>25-Mar-19</a:t>
             </a:fld>
             <a:endParaRPr lang="en-US"/>
           </a:p>
@@ -1815,7 +1815,7 @@
           <a:p>
             <a:fld id="{A6E2C317-66DB-4326-8236-4682C01F4A41}" type="datetimeFigureOut">
               <a:rPr lang="en-US" smtClean="0"/>
-              <a:t>3/17/2019</a:t>
+              <a:t>25-Mar-19</a:t>
             </a:fld>
             <a:endParaRPr lang="en-US"/>
           </a:p>
@@ -1956,7 +1956,7 @@
           <a:p>
             <a:fld id="{A6E2C317-66DB-4326-8236-4682C01F4A41}" type="datetimeFigureOut">
               <a:rPr lang="en-US" smtClean="0"/>
-              <a:t>3/17/2019</a:t>
+              <a:t>25-Mar-19</a:t>
             </a:fld>
             <a:endParaRPr lang="en-US"/>
           </a:p>
@@ -2069,7 +2069,7 @@
           <a:p>
             <a:fld id="{A6E2C317-66DB-4326-8236-4682C01F4A41}" type="datetimeFigureOut">
               <a:rPr lang="en-US" smtClean="0"/>
-              <a:t>3/17/2019</a:t>
+              <a:t>25-Mar-19</a:t>
             </a:fld>
             <a:endParaRPr lang="en-US"/>
           </a:p>
@@ -2380,7 +2380,7 @@
           <a:p>
             <a:fld id="{A6E2C317-66DB-4326-8236-4682C01F4A41}" type="datetimeFigureOut">
               <a:rPr lang="en-US" smtClean="0"/>
-              <a:t>3/17/2019</a:t>
+              <a:t>25-Mar-19</a:t>
             </a:fld>
             <a:endParaRPr lang="en-US"/>
           </a:p>
@@ -2668,7 +2668,7 @@
           <a:p>
             <a:fld id="{A6E2C317-66DB-4326-8236-4682C01F4A41}" type="datetimeFigureOut">
               <a:rPr lang="en-US" smtClean="0"/>
-              <a:t>3/17/2019</a:t>
+              <a:t>25-Mar-19</a:t>
             </a:fld>
             <a:endParaRPr lang="en-US"/>
           </a:p>
@@ -2909,7 +2909,7 @@
           <a:p>
             <a:fld id="{A6E2C317-66DB-4326-8236-4682C01F4A41}" type="datetimeFigureOut">
               <a:rPr lang="en-US" smtClean="0"/>
-              <a:t>3/17/2019</a:t>
+              <a:t>25-Mar-19</a:t>
             </a:fld>
             <a:endParaRPr lang="en-US"/>
           </a:p>
@@ -3326,12 +3326,702 @@
           <a:chExt cx="0" cy="0"/>
         </a:xfrm>
       </p:grpSpPr>
+      <p:sp>
+        <p:nvSpPr>
+          <p:cNvPr id="13" name="TextBox 12">
+            <a:extLst>
+              <a:ext uri="{FF2B5EF4-FFF2-40B4-BE49-F238E27FC236}">
+                <a16:creationId xmlns:a16="http://schemas.microsoft.com/office/drawing/2014/main" id="{EC1905C1-09B6-4B56-B939-BCB2F0BFADB6}"/>
+              </a:ext>
+            </a:extLst>
+          </p:cNvPr>
+          <p:cNvSpPr txBox="1"/>
+          <p:nvPr/>
+        </p:nvSpPr>
+        <p:spPr>
+          <a:xfrm>
+            <a:off x="1621150" y="3052621"/>
+            <a:ext cx="377026" cy="369332"/>
+          </a:xfrm>
+          <a:prstGeom prst="rect">
+            <a:avLst/>
+          </a:prstGeom>
+          <a:noFill/>
+        </p:spPr>
+        <p:txBody>
+          <a:bodyPr wrap="none" rtlCol="0">
+            <a:spAutoFit/>
+          </a:bodyPr>
+          <a:lstStyle/>
+          <a:p>
+            <a:r>
+              <a:rPr lang="en-US" dirty="0">
+                <a:solidFill>
+                  <a:srgbClr val="7030A0"/>
+                </a:solidFill>
+              </a:rPr>
+              <a:t>V</a:t>
+            </a:r>
+            <a:r>
+              <a:rPr lang="en-US" baseline="-25000" dirty="0">
+                <a:solidFill>
+                  <a:srgbClr val="7030A0"/>
+                </a:solidFill>
+              </a:rPr>
+              <a:t>a</a:t>
+            </a:r>
+            <a:endParaRPr lang="en-US" dirty="0">
+              <a:solidFill>
+                <a:srgbClr val="7030A0"/>
+              </a:solidFill>
+            </a:endParaRPr>
+          </a:p>
+        </p:txBody>
+      </p:sp>
+      <p:sp>
+        <p:nvSpPr>
+          <p:cNvPr id="15" name="TextBox 14">
+            <a:extLst>
+              <a:ext uri="{FF2B5EF4-FFF2-40B4-BE49-F238E27FC236}">
+                <a16:creationId xmlns:a16="http://schemas.microsoft.com/office/drawing/2014/main" id="{91EDB263-8C6A-4743-B3E8-ADCF9070000E}"/>
+              </a:ext>
+            </a:extLst>
+          </p:cNvPr>
+          <p:cNvSpPr txBox="1"/>
+          <p:nvPr/>
+        </p:nvSpPr>
+        <p:spPr>
+          <a:xfrm>
+            <a:off x="6568094" y="3244333"/>
+            <a:ext cx="390620" cy="369332"/>
+          </a:xfrm>
+          <a:prstGeom prst="rect">
+            <a:avLst/>
+          </a:prstGeom>
+          <a:noFill/>
+        </p:spPr>
+        <p:txBody>
+          <a:bodyPr wrap="none" rtlCol="0">
+            <a:spAutoFit/>
+          </a:bodyPr>
+          <a:lstStyle/>
+          <a:p>
+            <a:r>
+              <a:rPr lang="en-US" dirty="0">
+                <a:solidFill>
+                  <a:schemeClr val="accent3">
+                    <a:lumMod val="75000"/>
+                  </a:schemeClr>
+                </a:solidFill>
+              </a:rPr>
+              <a:t>V</a:t>
+            </a:r>
+            <a:r>
+              <a:rPr lang="en-US" baseline="-25000" dirty="0">
+                <a:solidFill>
+                  <a:schemeClr val="accent3">
+                    <a:lumMod val="75000"/>
+                  </a:schemeClr>
+                </a:solidFill>
+              </a:rPr>
+              <a:t>u</a:t>
+            </a:r>
+            <a:endParaRPr lang="en-US" dirty="0">
+              <a:solidFill>
+                <a:schemeClr val="accent3">
+                  <a:lumMod val="75000"/>
+                </a:schemeClr>
+              </a:solidFill>
+            </a:endParaRPr>
+          </a:p>
+        </p:txBody>
+      </p:sp>
+      <p:sp>
+        <p:nvSpPr>
+          <p:cNvPr id="17" name="TextBox 16">
+            <a:extLst>
+              <a:ext uri="{FF2B5EF4-FFF2-40B4-BE49-F238E27FC236}">
+                <a16:creationId xmlns:a16="http://schemas.microsoft.com/office/drawing/2014/main" id="{AE76B091-3171-48BE-89C8-770A38A4AD54}"/>
+              </a:ext>
+            </a:extLst>
+          </p:cNvPr>
+          <p:cNvSpPr txBox="1"/>
+          <p:nvPr/>
+        </p:nvSpPr>
+        <p:spPr>
+          <a:xfrm>
+            <a:off x="7391615" y="3253999"/>
+            <a:ext cx="332142" cy="369332"/>
+          </a:xfrm>
+          <a:prstGeom prst="rect">
+            <a:avLst/>
+          </a:prstGeom>
+          <a:noFill/>
+        </p:spPr>
+        <p:txBody>
+          <a:bodyPr wrap="none" rtlCol="0">
+            <a:spAutoFit/>
+          </a:bodyPr>
+          <a:lstStyle/>
+          <a:p>
+            <a:r>
+              <a:rPr lang="en-US" dirty="0">
+                <a:solidFill>
+                  <a:srgbClr val="92D050"/>
+                </a:solidFill>
+              </a:rPr>
+              <a:t>U</a:t>
+            </a:r>
+          </a:p>
+        </p:txBody>
+      </p:sp>
+      <p:sp>
+        <p:nvSpPr>
+          <p:cNvPr id="12" name="TextBox 11">
+            <a:extLst>
+              <a:ext uri="{FF2B5EF4-FFF2-40B4-BE49-F238E27FC236}">
+                <a16:creationId xmlns:a16="http://schemas.microsoft.com/office/drawing/2014/main" id="{00813ADE-86D1-4AC1-8288-F977B1EF7553}"/>
+              </a:ext>
+            </a:extLst>
+          </p:cNvPr>
+          <p:cNvSpPr txBox="1"/>
+          <p:nvPr/>
+        </p:nvSpPr>
+        <p:spPr>
+          <a:xfrm>
+            <a:off x="5807915" y="1488549"/>
+            <a:ext cx="377026" cy="369332"/>
+          </a:xfrm>
+          <a:prstGeom prst="rect">
+            <a:avLst/>
+          </a:prstGeom>
+          <a:noFill/>
+        </p:spPr>
+        <p:txBody>
+          <a:bodyPr wrap="none" rtlCol="0">
+            <a:spAutoFit/>
+          </a:bodyPr>
+          <a:lstStyle/>
+          <a:p>
+            <a:r>
+              <a:rPr lang="en-US" dirty="0">
+                <a:solidFill>
+                  <a:srgbClr val="7030A0"/>
+                </a:solidFill>
+              </a:rPr>
+              <a:t>V</a:t>
+            </a:r>
+            <a:r>
+              <a:rPr lang="en-US" baseline="-25000" dirty="0">
+                <a:solidFill>
+                  <a:srgbClr val="7030A0"/>
+                </a:solidFill>
+              </a:rPr>
+              <a:t>a</a:t>
+            </a:r>
+            <a:endParaRPr lang="en-US" dirty="0">
+              <a:solidFill>
+                <a:srgbClr val="7030A0"/>
+              </a:solidFill>
+            </a:endParaRPr>
+          </a:p>
+        </p:txBody>
+      </p:sp>
+      <p:sp>
+        <p:nvSpPr>
+          <p:cNvPr id="14" name="TextBox 13">
+            <a:extLst>
+              <a:ext uri="{FF2B5EF4-FFF2-40B4-BE49-F238E27FC236}">
+                <a16:creationId xmlns:a16="http://schemas.microsoft.com/office/drawing/2014/main" id="{64C535F3-6CAF-4FA5-AE1B-3D2995E44C6F}"/>
+              </a:ext>
+            </a:extLst>
+          </p:cNvPr>
+          <p:cNvSpPr txBox="1"/>
+          <p:nvPr/>
+        </p:nvSpPr>
+        <p:spPr>
+          <a:xfrm>
+            <a:off x="5473382" y="3575049"/>
+            <a:ext cx="394660" cy="369332"/>
+          </a:xfrm>
+          <a:prstGeom prst="rect">
+            <a:avLst/>
+          </a:prstGeom>
+          <a:noFill/>
+        </p:spPr>
+        <p:txBody>
+          <a:bodyPr wrap="none" rtlCol="0">
+            <a:spAutoFit/>
+          </a:bodyPr>
+          <a:lstStyle/>
+          <a:p>
+            <a:r>
+              <a:rPr lang="en-US" dirty="0"/>
+              <a:t>V</a:t>
+            </a:r>
+            <a:r>
+              <a:rPr lang="en-US" baseline="-25000" dirty="0"/>
+              <a:t>2</a:t>
+            </a:r>
+            <a:endParaRPr lang="en-US" dirty="0"/>
+          </a:p>
+        </p:txBody>
+      </p:sp>
+      <p:sp>
+        <p:nvSpPr>
+          <p:cNvPr id="19" name="TextBox 18">
+            <a:extLst>
+              <a:ext uri="{FF2B5EF4-FFF2-40B4-BE49-F238E27FC236}">
+                <a16:creationId xmlns:a16="http://schemas.microsoft.com/office/drawing/2014/main" id="{47F663CA-236C-4F6C-8ADC-42E99649F46C}"/>
+              </a:ext>
+            </a:extLst>
+          </p:cNvPr>
+          <p:cNvSpPr txBox="1"/>
+          <p:nvPr/>
+        </p:nvSpPr>
+        <p:spPr>
+          <a:xfrm>
+            <a:off x="5640142" y="862685"/>
+            <a:ext cx="468398" cy="369332"/>
+          </a:xfrm>
+          <a:prstGeom prst="rect">
+            <a:avLst/>
+          </a:prstGeom>
+          <a:noFill/>
+        </p:spPr>
+        <p:txBody>
+          <a:bodyPr wrap="none" rtlCol="0">
+            <a:spAutoFit/>
+          </a:bodyPr>
+          <a:lstStyle/>
+          <a:p>
+            <a:r>
+              <a:rPr lang="en-US" dirty="0">
+                <a:solidFill>
+                  <a:srgbClr val="00B0F0"/>
+                </a:solidFill>
+              </a:rPr>
+              <a:t>W</a:t>
+            </a:r>
+            <a:r>
+              <a:rPr lang="en-US" baseline="-25000" dirty="0">
+                <a:solidFill>
+                  <a:srgbClr val="00B0F0"/>
+                </a:solidFill>
+              </a:rPr>
+              <a:t>2</a:t>
+            </a:r>
+            <a:endParaRPr lang="en-US" dirty="0">
+              <a:solidFill>
+                <a:srgbClr val="00B0F0"/>
+              </a:solidFill>
+            </a:endParaRPr>
+          </a:p>
+        </p:txBody>
+      </p:sp>
+      <p:sp>
+        <p:nvSpPr>
+          <p:cNvPr id="22" name="TextBox 21">
+            <a:extLst>
+              <a:ext uri="{FF2B5EF4-FFF2-40B4-BE49-F238E27FC236}">
+                <a16:creationId xmlns:a16="http://schemas.microsoft.com/office/drawing/2014/main" id="{7C63DC23-DC22-4877-9C55-245F1075A731}"/>
+              </a:ext>
+            </a:extLst>
+          </p:cNvPr>
+          <p:cNvSpPr txBox="1"/>
+          <p:nvPr/>
+        </p:nvSpPr>
+        <p:spPr>
+          <a:xfrm>
+            <a:off x="9807232" y="5893312"/>
+            <a:ext cx="377026" cy="369332"/>
+          </a:xfrm>
+          <a:prstGeom prst="rect">
+            <a:avLst/>
+          </a:prstGeom>
+          <a:noFill/>
+        </p:spPr>
+        <p:txBody>
+          <a:bodyPr wrap="none" rtlCol="0">
+            <a:spAutoFit/>
+          </a:bodyPr>
+          <a:lstStyle/>
+          <a:p>
+            <a:r>
+              <a:rPr lang="en-US" dirty="0">
+                <a:solidFill>
+                  <a:srgbClr val="7030A0"/>
+                </a:solidFill>
+              </a:rPr>
+              <a:t>V</a:t>
+            </a:r>
+            <a:r>
+              <a:rPr lang="en-US" baseline="-25000" dirty="0">
+                <a:solidFill>
+                  <a:srgbClr val="7030A0"/>
+                </a:solidFill>
+              </a:rPr>
+              <a:t>a</a:t>
+            </a:r>
+            <a:endParaRPr lang="en-US" dirty="0">
+              <a:solidFill>
+                <a:srgbClr val="7030A0"/>
+              </a:solidFill>
+            </a:endParaRPr>
+          </a:p>
+        </p:txBody>
+      </p:sp>
+      <p:sp>
+        <p:nvSpPr>
+          <p:cNvPr id="24" name="TextBox 23">
+            <a:extLst>
+              <a:ext uri="{FF2B5EF4-FFF2-40B4-BE49-F238E27FC236}">
+                <a16:creationId xmlns:a16="http://schemas.microsoft.com/office/drawing/2014/main" id="{979EE969-71B8-4B51-B951-D6CDA8957938}"/>
+              </a:ext>
+            </a:extLst>
+          </p:cNvPr>
+          <p:cNvSpPr txBox="1"/>
+          <p:nvPr/>
+        </p:nvSpPr>
+        <p:spPr>
+          <a:xfrm>
+            <a:off x="11145293" y="3220575"/>
+            <a:ext cx="332142" cy="369332"/>
+          </a:xfrm>
+          <a:prstGeom prst="rect">
+            <a:avLst/>
+          </a:prstGeom>
+          <a:noFill/>
+        </p:spPr>
+        <p:txBody>
+          <a:bodyPr wrap="none" rtlCol="0">
+            <a:spAutoFit/>
+          </a:bodyPr>
+          <a:lstStyle/>
+          <a:p>
+            <a:r>
+              <a:rPr lang="en-US" dirty="0">
+                <a:solidFill>
+                  <a:srgbClr val="92D050"/>
+                </a:solidFill>
+              </a:rPr>
+              <a:t>U</a:t>
+            </a:r>
+          </a:p>
+        </p:txBody>
+      </p:sp>
+      <p:sp>
+        <p:nvSpPr>
+          <p:cNvPr id="25" name="TextBox 24">
+            <a:extLst>
+              <a:ext uri="{FF2B5EF4-FFF2-40B4-BE49-F238E27FC236}">
+                <a16:creationId xmlns:a16="http://schemas.microsoft.com/office/drawing/2014/main" id="{4D63ABB4-2CDA-4358-BFA4-824C93B4ADC7}"/>
+              </a:ext>
+            </a:extLst>
+          </p:cNvPr>
+          <p:cNvSpPr txBox="1"/>
+          <p:nvPr/>
+        </p:nvSpPr>
+        <p:spPr>
+          <a:xfrm>
+            <a:off x="9493505" y="3205717"/>
+            <a:ext cx="468398" cy="369332"/>
+          </a:xfrm>
+          <a:prstGeom prst="rect">
+            <a:avLst/>
+          </a:prstGeom>
+          <a:noFill/>
+        </p:spPr>
+        <p:txBody>
+          <a:bodyPr wrap="none" rtlCol="0">
+            <a:spAutoFit/>
+          </a:bodyPr>
+          <a:lstStyle/>
+          <a:p>
+            <a:r>
+              <a:rPr lang="en-US" dirty="0">
+                <a:solidFill>
+                  <a:srgbClr val="00B0F0"/>
+                </a:solidFill>
+              </a:rPr>
+              <a:t>W</a:t>
+            </a:r>
+            <a:r>
+              <a:rPr lang="en-US" baseline="-25000" dirty="0">
+                <a:solidFill>
+                  <a:srgbClr val="00B0F0"/>
+                </a:solidFill>
+              </a:rPr>
+              <a:t>3</a:t>
+            </a:r>
+            <a:endParaRPr lang="en-US" dirty="0">
+              <a:solidFill>
+                <a:srgbClr val="00B0F0"/>
+              </a:solidFill>
+            </a:endParaRPr>
+          </a:p>
+        </p:txBody>
+      </p:sp>
+      <p:sp>
+        <p:nvSpPr>
+          <p:cNvPr id="29" name="Arc 28">
+            <a:extLst>
+              <a:ext uri="{FF2B5EF4-FFF2-40B4-BE49-F238E27FC236}">
+                <a16:creationId xmlns:a16="http://schemas.microsoft.com/office/drawing/2014/main" id="{4273FBBA-3650-4185-852D-37AFEFC00B5B}"/>
+              </a:ext>
+            </a:extLst>
+          </p:cNvPr>
+          <p:cNvSpPr/>
+          <p:nvPr/>
+        </p:nvSpPr>
+        <p:spPr>
+          <a:xfrm rot="4836001">
+            <a:off x="4653955" y="1253297"/>
+            <a:ext cx="585971" cy="570890"/>
+          </a:xfrm>
+          <a:prstGeom prst="arc">
+            <a:avLst/>
+          </a:prstGeom>
+          <a:ln w="9525" cap="flat" cmpd="sng" algn="ctr">
+            <a:solidFill>
+              <a:schemeClr val="tx1"/>
+            </a:solidFill>
+            <a:prstDash val="solid"/>
+            <a:round/>
+            <a:headEnd type="arrow" w="med" len="med"/>
+            <a:tailEnd type="arrow" w="med" len="med"/>
+          </a:ln>
+        </p:spPr>
+        <p:style>
+          <a:lnRef idx="0">
+            <a:scrgbClr r="0" g="0" b="0"/>
+          </a:lnRef>
+          <a:fillRef idx="0">
+            <a:scrgbClr r="0" g="0" b="0"/>
+          </a:fillRef>
+          <a:effectRef idx="0">
+            <a:scrgbClr r="0" g="0" b="0"/>
+          </a:effectRef>
+          <a:fontRef idx="minor">
+            <a:schemeClr val="tx1"/>
+          </a:fontRef>
+        </p:style>
+        <p:txBody>
+          <a:bodyPr rtlCol="0" anchor="ctr"/>
+          <a:lstStyle/>
+          <a:p>
+            <a:pPr algn="ctr"/>
+            <a:endParaRPr lang="en-US"/>
+          </a:p>
+        </p:txBody>
+      </p:sp>
+      <p:sp>
+        <p:nvSpPr>
+          <p:cNvPr id="30" name="TextBox 29">
+            <a:extLst>
+              <a:ext uri="{FF2B5EF4-FFF2-40B4-BE49-F238E27FC236}">
+                <a16:creationId xmlns:a16="http://schemas.microsoft.com/office/drawing/2014/main" id="{CAEB2ABD-6E75-4BC7-8FA1-1BE465100844}"/>
+              </a:ext>
+            </a:extLst>
+          </p:cNvPr>
+          <p:cNvSpPr txBox="1"/>
+          <p:nvPr/>
+        </p:nvSpPr>
+        <p:spPr>
+          <a:xfrm>
+            <a:off x="6615202" y="1144354"/>
+            <a:ext cx="409233" cy="276999"/>
+          </a:xfrm>
+          <a:prstGeom prst="rect">
+            <a:avLst/>
+          </a:prstGeom>
+          <a:noFill/>
+        </p:spPr>
+        <p:txBody>
+          <a:bodyPr wrap="square" rtlCol="0">
+            <a:spAutoFit/>
+          </a:bodyPr>
+          <a:lstStyle/>
+          <a:p>
+            <a:r>
+              <a:rPr lang="el-GR" sz="1200" dirty="0">
+                <a:solidFill>
+                  <a:srgbClr val="00B0F0"/>
+                </a:solidFill>
+              </a:rPr>
+              <a:t>β</a:t>
+            </a:r>
+            <a:r>
+              <a:rPr lang="en-US" sz="1200" baseline="-25000" dirty="0">
+                <a:solidFill>
+                  <a:srgbClr val="00B0F0"/>
+                </a:solidFill>
+              </a:rPr>
+              <a:t>2</a:t>
+            </a:r>
+            <a:endParaRPr lang="en-US" sz="1200" dirty="0">
+              <a:solidFill>
+                <a:srgbClr val="00B0F0"/>
+              </a:solidFill>
+            </a:endParaRPr>
+          </a:p>
+        </p:txBody>
+      </p:sp>
+      <p:sp>
+        <p:nvSpPr>
+          <p:cNvPr id="31" name="TextBox 30">
+            <a:extLst>
+              <a:ext uri="{FF2B5EF4-FFF2-40B4-BE49-F238E27FC236}">
+                <a16:creationId xmlns:a16="http://schemas.microsoft.com/office/drawing/2014/main" id="{B4726EB7-9C34-48FF-90C5-1D85C53F88C2}"/>
+              </a:ext>
+            </a:extLst>
+          </p:cNvPr>
+          <p:cNvSpPr txBox="1"/>
+          <p:nvPr/>
+        </p:nvSpPr>
+        <p:spPr>
+          <a:xfrm>
+            <a:off x="5149212" y="1627139"/>
+            <a:ext cx="409233" cy="276999"/>
+          </a:xfrm>
+          <a:prstGeom prst="rect">
+            <a:avLst/>
+          </a:prstGeom>
+          <a:noFill/>
+        </p:spPr>
+        <p:txBody>
+          <a:bodyPr wrap="square" rtlCol="0">
+            <a:spAutoFit/>
+          </a:bodyPr>
+          <a:lstStyle/>
+          <a:p>
+            <a:r>
+              <a:rPr lang="el-GR" sz="1200" dirty="0"/>
+              <a:t>α</a:t>
+            </a:r>
+            <a:r>
+              <a:rPr lang="en-US" sz="1200" baseline="-25000" dirty="0"/>
+              <a:t>2</a:t>
+            </a:r>
+            <a:endParaRPr lang="en-US" sz="1200" dirty="0"/>
+          </a:p>
+        </p:txBody>
+      </p:sp>
+      <p:sp>
+        <p:nvSpPr>
+          <p:cNvPr id="32" name="TextBox 31">
+            <a:extLst>
+              <a:ext uri="{FF2B5EF4-FFF2-40B4-BE49-F238E27FC236}">
+                <a16:creationId xmlns:a16="http://schemas.microsoft.com/office/drawing/2014/main" id="{FBC15285-F5DA-4028-9A15-2E80F0F08AB1}"/>
+              </a:ext>
+            </a:extLst>
+          </p:cNvPr>
+          <p:cNvSpPr txBox="1"/>
+          <p:nvPr/>
+        </p:nvSpPr>
+        <p:spPr>
+          <a:xfrm>
+            <a:off x="9425244" y="5262556"/>
+            <a:ext cx="409233" cy="276999"/>
+          </a:xfrm>
+          <a:prstGeom prst="rect">
+            <a:avLst/>
+          </a:prstGeom>
+          <a:noFill/>
+        </p:spPr>
+        <p:txBody>
+          <a:bodyPr wrap="square" rtlCol="0">
+            <a:spAutoFit/>
+          </a:bodyPr>
+          <a:lstStyle/>
+          <a:p>
+            <a:r>
+              <a:rPr lang="el-GR" sz="1200" dirty="0">
+                <a:solidFill>
+                  <a:srgbClr val="00B0F0"/>
+                </a:solidFill>
+              </a:rPr>
+              <a:t>β</a:t>
+            </a:r>
+            <a:r>
+              <a:rPr lang="en-US" sz="1200" baseline="-25000" dirty="0">
+                <a:solidFill>
+                  <a:srgbClr val="00B0F0"/>
+                </a:solidFill>
+              </a:rPr>
+              <a:t>3</a:t>
+            </a:r>
+            <a:endParaRPr lang="en-US" sz="1200" dirty="0">
+              <a:solidFill>
+                <a:srgbClr val="00B0F0"/>
+              </a:solidFill>
+            </a:endParaRPr>
+          </a:p>
+        </p:txBody>
+      </p:sp>
+      <p:sp>
+        <p:nvSpPr>
+          <p:cNvPr id="33" name="Arc 32">
+            <a:extLst>
+              <a:ext uri="{FF2B5EF4-FFF2-40B4-BE49-F238E27FC236}">
+                <a16:creationId xmlns:a16="http://schemas.microsoft.com/office/drawing/2014/main" id="{A552AFCE-1A7D-43CD-9A21-691BC6A2A51F}"/>
+              </a:ext>
+            </a:extLst>
+          </p:cNvPr>
+          <p:cNvSpPr/>
+          <p:nvPr/>
+        </p:nvSpPr>
+        <p:spPr>
+          <a:xfrm rot="673767">
+            <a:off x="8641346" y="5299466"/>
+            <a:ext cx="897033" cy="1027705"/>
+          </a:xfrm>
+          <a:prstGeom prst="arc">
+            <a:avLst/>
+          </a:prstGeom>
+          <a:ln w="9525" cap="flat" cmpd="sng" algn="ctr">
+            <a:solidFill>
+              <a:srgbClr val="00B0F0"/>
+            </a:solidFill>
+            <a:prstDash val="solid"/>
+            <a:round/>
+            <a:headEnd type="arrow" w="med" len="med"/>
+            <a:tailEnd type="arrow" w="med" len="med"/>
+          </a:ln>
+        </p:spPr>
+        <p:style>
+          <a:lnRef idx="0">
+            <a:scrgbClr r="0" g="0" b="0"/>
+          </a:lnRef>
+          <a:fillRef idx="0">
+            <a:scrgbClr r="0" g="0" b="0"/>
+          </a:fillRef>
+          <a:effectRef idx="0">
+            <a:scrgbClr r="0" g="0" b="0"/>
+          </a:effectRef>
+          <a:fontRef idx="minor">
+            <a:schemeClr val="tx1"/>
+          </a:fontRef>
+        </p:style>
+        <p:txBody>
+          <a:bodyPr rtlCol="0" anchor="ctr"/>
+          <a:lstStyle/>
+          <a:p>
+            <a:pPr algn="ctr"/>
+            <a:endParaRPr lang="en-US">
+              <a:solidFill>
+                <a:srgbClr val="00B0F0"/>
+              </a:solidFill>
+            </a:endParaRPr>
+          </a:p>
+        </p:txBody>
+      </p:sp>
       <p:cxnSp>
         <p:nvCxnSpPr>
-          <p:cNvPr id="5" name="Straight Arrow Connector 4">
-            <a:extLst>
-              <a:ext uri="{FF2B5EF4-FFF2-40B4-BE49-F238E27FC236}">
-                <a16:creationId xmlns:a16="http://schemas.microsoft.com/office/drawing/2014/main" id="{DE679A7A-35CE-4351-B0F4-D53B39EC9F4E}"/>
+          <p:cNvPr id="37" name="Straight Arrow Connector 36">
+            <a:extLst>
+              <a:ext uri="{FF2B5EF4-FFF2-40B4-BE49-F238E27FC236}">
+                <a16:creationId xmlns:a16="http://schemas.microsoft.com/office/drawing/2014/main" id="{20A8C8B6-B2F2-46ED-A213-2F4463284504}"/>
               </a:ext>
             </a:extLst>
           </p:cNvPr>
@@ -3342,15 +4032,17 @@
         </p:nvCxnSpPr>
         <p:spPr>
           <a:xfrm>
-            <a:off x="1358537" y="3454277"/>
-            <a:ext cx="1080000" cy="0"/>
+            <a:off x="6978746" y="1480126"/>
+            <a:ext cx="0" cy="4644000"/>
           </a:xfrm>
           <a:prstGeom prst="straightConnector1">
             <a:avLst/>
           </a:prstGeom>
-          <a:ln>
+          <a:ln w="28575">
             <a:solidFill>
-              <a:srgbClr val="7030A0"/>
+              <a:schemeClr val="accent3">
+                <a:lumMod val="75000"/>
+              </a:schemeClr>
             </a:solidFill>
             <a:tailEnd type="triangle"/>
           </a:ln>
@@ -3372,10 +4064,10 @@
       </p:cxnSp>
       <p:cxnSp>
         <p:nvCxnSpPr>
-          <p:cNvPr id="11" name="Straight Arrow Connector 10">
-            <a:extLst>
-              <a:ext uri="{FF2B5EF4-FFF2-40B4-BE49-F238E27FC236}">
-                <a16:creationId xmlns:a16="http://schemas.microsoft.com/office/drawing/2014/main" id="{1301FCC1-7356-425E-8391-7FC953AD9D57}"/>
+          <p:cNvPr id="38" name="Straight Arrow Connector 37">
+            <a:extLst>
+              <a:ext uri="{FF2B5EF4-FFF2-40B4-BE49-F238E27FC236}">
+                <a16:creationId xmlns:a16="http://schemas.microsoft.com/office/drawing/2014/main" id="{E91EDD1D-9C8D-4150-8FF7-F08D1A94A883}"/>
               </a:ext>
             </a:extLst>
           </p:cNvPr>
@@ -3386,350 +4078,15 @@
         </p:nvCxnSpPr>
         <p:spPr>
           <a:xfrm>
-            <a:off x="6522192" y="3428999"/>
-            <a:ext cx="0" cy="2322000"/>
+            <a:off x="7388223" y="1055326"/>
+            <a:ext cx="0" cy="5068800"/>
           </a:xfrm>
           <a:prstGeom prst="straightConnector1">
             <a:avLst/>
           </a:prstGeom>
-          <a:ln>
-            <a:solidFill>
-              <a:schemeClr val="accent3">
-                <a:lumMod val="75000"/>
-              </a:schemeClr>
-            </a:solidFill>
-            <a:tailEnd type="triangle"/>
-          </a:ln>
-        </p:spPr>
-        <p:style>
-          <a:lnRef idx="1">
-            <a:schemeClr val="accent1"/>
-          </a:lnRef>
-          <a:fillRef idx="0">
-            <a:schemeClr val="accent1"/>
-          </a:fillRef>
-          <a:effectRef idx="0">
-            <a:schemeClr val="accent1"/>
-          </a:effectRef>
-          <a:fontRef idx="minor">
-            <a:schemeClr val="tx1"/>
-          </a:fontRef>
-        </p:style>
-      </p:cxnSp>
-      <p:sp>
-        <p:nvSpPr>
-          <p:cNvPr id="13" name="TextBox 12">
-            <a:extLst>
-              <a:ext uri="{FF2B5EF4-FFF2-40B4-BE49-F238E27FC236}">
-                <a16:creationId xmlns:a16="http://schemas.microsoft.com/office/drawing/2014/main" id="{EC1905C1-09B6-4B56-B939-BCB2F0BFADB6}"/>
-              </a:ext>
-            </a:extLst>
-          </p:cNvPr>
-          <p:cNvSpPr txBox="1"/>
-          <p:nvPr/>
-        </p:nvSpPr>
-        <p:spPr>
-          <a:xfrm>
-            <a:off x="1710024" y="3454277"/>
-            <a:ext cx="377026" cy="369332"/>
-          </a:xfrm>
-          <a:prstGeom prst="rect">
-            <a:avLst/>
-          </a:prstGeom>
-          <a:noFill/>
-        </p:spPr>
-        <p:txBody>
-          <a:bodyPr wrap="none" rtlCol="0">
-            <a:spAutoFit/>
-          </a:bodyPr>
-          <a:lstStyle/>
-          <a:p>
-            <a:r>
-              <a:rPr lang="en-US" dirty="0">
-                <a:solidFill>
-                  <a:srgbClr val="7030A0"/>
-                </a:solidFill>
-              </a:rPr>
-              <a:t>V</a:t>
-            </a:r>
-            <a:r>
-              <a:rPr lang="en-US" baseline="-25000" dirty="0">
-                <a:solidFill>
-                  <a:srgbClr val="7030A0"/>
-                </a:solidFill>
-              </a:rPr>
-              <a:t>a</a:t>
-            </a:r>
-            <a:endParaRPr lang="en-US" dirty="0">
-              <a:solidFill>
-                <a:srgbClr val="7030A0"/>
-              </a:solidFill>
-            </a:endParaRPr>
-          </a:p>
-        </p:txBody>
-      </p:sp>
-      <p:sp>
-        <p:nvSpPr>
-          <p:cNvPr id="15" name="TextBox 14">
-            <a:extLst>
-              <a:ext uri="{FF2B5EF4-FFF2-40B4-BE49-F238E27FC236}">
-                <a16:creationId xmlns:a16="http://schemas.microsoft.com/office/drawing/2014/main" id="{91EDB263-8C6A-4743-B3E8-ADCF9070000E}"/>
-              </a:ext>
-            </a:extLst>
-          </p:cNvPr>
-          <p:cNvSpPr txBox="1"/>
-          <p:nvPr/>
-        </p:nvSpPr>
-        <p:spPr>
-          <a:xfrm>
-            <a:off x="6528989" y="4405333"/>
-            <a:ext cx="390620" cy="369332"/>
-          </a:xfrm>
-          <a:prstGeom prst="rect">
-            <a:avLst/>
-          </a:prstGeom>
-          <a:noFill/>
-        </p:spPr>
-        <p:txBody>
-          <a:bodyPr wrap="none" rtlCol="0">
-            <a:spAutoFit/>
-          </a:bodyPr>
-          <a:lstStyle/>
-          <a:p>
-            <a:r>
-              <a:rPr lang="en-US" dirty="0">
-                <a:solidFill>
-                  <a:schemeClr val="accent3">
-                    <a:lumMod val="75000"/>
-                  </a:schemeClr>
-                </a:solidFill>
-              </a:rPr>
-              <a:t>V</a:t>
-            </a:r>
-            <a:r>
-              <a:rPr lang="en-US" baseline="-25000" dirty="0">
-                <a:solidFill>
-                  <a:schemeClr val="accent3">
-                    <a:lumMod val="75000"/>
-                  </a:schemeClr>
-                </a:solidFill>
-              </a:rPr>
-              <a:t>u</a:t>
-            </a:r>
-            <a:endParaRPr lang="en-US" dirty="0">
-              <a:solidFill>
-                <a:schemeClr val="accent3">
-                  <a:lumMod val="75000"/>
-                </a:schemeClr>
-              </a:solidFill>
-            </a:endParaRPr>
-          </a:p>
-        </p:txBody>
-      </p:sp>
-      <p:cxnSp>
-        <p:nvCxnSpPr>
-          <p:cNvPr id="16" name="Straight Arrow Connector 15">
-            <a:extLst>
-              <a:ext uri="{FF2B5EF4-FFF2-40B4-BE49-F238E27FC236}">
-                <a16:creationId xmlns:a16="http://schemas.microsoft.com/office/drawing/2014/main" id="{9B17B48C-AA74-4E38-963B-73613DB33FED}"/>
-              </a:ext>
-            </a:extLst>
-          </p:cNvPr>
-          <p:cNvCxnSpPr>
-            <a:cxnSpLocks/>
-          </p:cNvCxnSpPr>
-          <p:nvPr/>
-        </p:nvCxnSpPr>
-        <p:spPr>
-          <a:xfrm>
-            <a:off x="6926405" y="3216598"/>
-            <a:ext cx="0" cy="2534400"/>
-          </a:xfrm>
-          <a:prstGeom prst="straightConnector1">
-            <a:avLst/>
-          </a:prstGeom>
-          <a:ln>
+          <a:ln w="28575">
             <a:solidFill>
               <a:srgbClr val="92D050"/>
-            </a:solidFill>
-            <a:tailEnd type="triangle"/>
-          </a:ln>
-        </p:spPr>
-        <p:style>
-          <a:lnRef idx="1">
-            <a:schemeClr val="accent1"/>
-          </a:lnRef>
-          <a:fillRef idx="0">
-            <a:schemeClr val="accent1"/>
-          </a:fillRef>
-          <a:effectRef idx="0">
-            <a:schemeClr val="accent1"/>
-          </a:effectRef>
-          <a:fontRef idx="minor">
-            <a:schemeClr val="tx1"/>
-          </a:fontRef>
-        </p:style>
-      </p:cxnSp>
-      <p:sp>
-        <p:nvSpPr>
-          <p:cNvPr id="17" name="TextBox 16">
-            <a:extLst>
-              <a:ext uri="{FF2B5EF4-FFF2-40B4-BE49-F238E27FC236}">
-                <a16:creationId xmlns:a16="http://schemas.microsoft.com/office/drawing/2014/main" id="{AE76B091-3171-48BE-89C8-770A38A4AD54}"/>
-              </a:ext>
-            </a:extLst>
-          </p:cNvPr>
-          <p:cNvSpPr txBox="1"/>
-          <p:nvPr/>
-        </p:nvSpPr>
-        <p:spPr>
-          <a:xfrm>
-            <a:off x="6926405" y="4299132"/>
-            <a:ext cx="332142" cy="369332"/>
-          </a:xfrm>
-          <a:prstGeom prst="rect">
-            <a:avLst/>
-          </a:prstGeom>
-          <a:noFill/>
-        </p:spPr>
-        <p:txBody>
-          <a:bodyPr wrap="none" rtlCol="0">
-            <a:spAutoFit/>
-          </a:bodyPr>
-          <a:lstStyle/>
-          <a:p>
-            <a:r>
-              <a:rPr lang="en-US" dirty="0">
-                <a:solidFill>
-                  <a:srgbClr val="92D050"/>
-                </a:solidFill>
-              </a:rPr>
-              <a:t>U</a:t>
-            </a:r>
-          </a:p>
-        </p:txBody>
-      </p:sp>
-      <p:cxnSp>
-        <p:nvCxnSpPr>
-          <p:cNvPr id="10" name="Straight Arrow Connector 9">
-            <a:extLst>
-              <a:ext uri="{FF2B5EF4-FFF2-40B4-BE49-F238E27FC236}">
-                <a16:creationId xmlns:a16="http://schemas.microsoft.com/office/drawing/2014/main" id="{26EE05ED-99BD-4E24-995F-A2E70F205FBD}"/>
-              </a:ext>
-            </a:extLst>
-          </p:cNvPr>
-          <p:cNvCxnSpPr>
-            <a:cxnSpLocks/>
-          </p:cNvCxnSpPr>
-          <p:nvPr/>
-        </p:nvCxnSpPr>
-        <p:spPr>
-          <a:xfrm>
-            <a:off x="5448989" y="3428999"/>
-            <a:ext cx="1080000" cy="0"/>
-          </a:xfrm>
-          <a:prstGeom prst="straightConnector1">
-            <a:avLst/>
-          </a:prstGeom>
-          <a:ln>
-            <a:solidFill>
-              <a:srgbClr val="7030A0"/>
-            </a:solidFill>
-            <a:tailEnd type="triangle"/>
-          </a:ln>
-        </p:spPr>
-        <p:style>
-          <a:lnRef idx="1">
-            <a:schemeClr val="accent1"/>
-          </a:lnRef>
-          <a:fillRef idx="0">
-            <a:schemeClr val="accent1"/>
-          </a:fillRef>
-          <a:effectRef idx="0">
-            <a:schemeClr val="accent1"/>
-          </a:effectRef>
-          <a:fontRef idx="minor">
-            <a:schemeClr val="tx1"/>
-          </a:fontRef>
-        </p:style>
-      </p:cxnSp>
-      <p:sp>
-        <p:nvSpPr>
-          <p:cNvPr id="12" name="TextBox 11">
-            <a:extLst>
-              <a:ext uri="{FF2B5EF4-FFF2-40B4-BE49-F238E27FC236}">
-                <a16:creationId xmlns:a16="http://schemas.microsoft.com/office/drawing/2014/main" id="{00813ADE-86D1-4AC1-8288-F977B1EF7553}"/>
-              </a:ext>
-            </a:extLst>
-          </p:cNvPr>
-          <p:cNvSpPr txBox="1"/>
-          <p:nvPr/>
-        </p:nvSpPr>
-        <p:spPr>
-          <a:xfrm>
-            <a:off x="5813025" y="3456732"/>
-            <a:ext cx="377026" cy="369332"/>
-          </a:xfrm>
-          <a:prstGeom prst="rect">
-            <a:avLst/>
-          </a:prstGeom>
-          <a:noFill/>
-        </p:spPr>
-        <p:txBody>
-          <a:bodyPr wrap="none" rtlCol="0">
-            <a:spAutoFit/>
-          </a:bodyPr>
-          <a:lstStyle/>
-          <a:p>
-            <a:r>
-              <a:rPr lang="en-US" dirty="0">
-                <a:solidFill>
-                  <a:srgbClr val="7030A0"/>
-                </a:solidFill>
-              </a:rPr>
-              <a:t>V</a:t>
-            </a:r>
-            <a:r>
-              <a:rPr lang="en-US" baseline="-25000" dirty="0">
-                <a:solidFill>
-                  <a:srgbClr val="7030A0"/>
-                </a:solidFill>
-              </a:rPr>
-              <a:t>a</a:t>
-            </a:r>
-            <a:endParaRPr lang="en-US" dirty="0">
-              <a:solidFill>
-                <a:srgbClr val="7030A0"/>
-              </a:solidFill>
-            </a:endParaRPr>
-          </a:p>
-        </p:txBody>
-      </p:sp>
-      <p:cxnSp>
-        <p:nvCxnSpPr>
-          <p:cNvPr id="3" name="Straight Arrow Connector 2">
-            <a:extLst>
-              <a:ext uri="{FF2B5EF4-FFF2-40B4-BE49-F238E27FC236}">
-                <a16:creationId xmlns:a16="http://schemas.microsoft.com/office/drawing/2014/main" id="{ED35B66A-F9DD-45FA-82AF-ED70D11774EB}"/>
-              </a:ext>
-            </a:extLst>
-          </p:cNvPr>
-          <p:cNvCxnSpPr>
-            <a:cxnSpLocks/>
-          </p:cNvCxnSpPr>
-          <p:nvPr/>
-        </p:nvCxnSpPr>
-        <p:spPr>
-          <a:xfrm flipV="1">
-            <a:off x="5448989" y="3216598"/>
-            <a:ext cx="1073203" cy="212400"/>
-          </a:xfrm>
-          <a:prstGeom prst="straightConnector1">
-            <a:avLst/>
-          </a:prstGeom>
-          <a:ln>
-            <a:solidFill>
-              <a:srgbClr val="00B0F0"/>
             </a:solidFill>
             <a:tailEnd type="triangle"/>
           </a:ln>
@@ -3751,10 +4108,10 @@
       </p:cxnSp>
       <p:cxnSp>
         <p:nvCxnSpPr>
-          <p:cNvPr id="18" name="Straight Arrow Connector 17">
-            <a:extLst>
-              <a:ext uri="{FF2B5EF4-FFF2-40B4-BE49-F238E27FC236}">
-                <a16:creationId xmlns:a16="http://schemas.microsoft.com/office/drawing/2014/main" id="{0E608860-5259-4F80-A0EB-9B4DCC414CD7}"/>
+          <p:cNvPr id="40" name="Straight Arrow Connector 39">
+            <a:extLst>
+              <a:ext uri="{FF2B5EF4-FFF2-40B4-BE49-F238E27FC236}">
+                <a16:creationId xmlns:a16="http://schemas.microsoft.com/office/drawing/2014/main" id="{E96F63D3-FB86-4046-8118-2271446B98DA}"/>
               </a:ext>
             </a:extLst>
           </p:cNvPr>
@@ -3765,15 +4122,15 @@
         </p:nvCxnSpPr>
         <p:spPr>
           <a:xfrm>
-            <a:off x="5448988" y="3428998"/>
-            <a:ext cx="1080000" cy="2322000"/>
+            <a:off x="4826533" y="1480126"/>
+            <a:ext cx="2160000" cy="0"/>
           </a:xfrm>
           <a:prstGeom prst="straightConnector1">
             <a:avLst/>
           </a:prstGeom>
-          <a:ln>
+          <a:ln w="28575">
             <a:solidFill>
-              <a:schemeClr val="tx1"/>
+              <a:srgbClr val="7030A0"/>
             </a:solidFill>
             <a:tailEnd type="triangle"/>
           </a:ln>
@@ -3793,104 +4150,12 @@
           </a:fontRef>
         </p:style>
       </p:cxnSp>
-      <p:sp>
-        <p:nvSpPr>
-          <p:cNvPr id="14" name="TextBox 13">
-            <a:extLst>
-              <a:ext uri="{FF2B5EF4-FFF2-40B4-BE49-F238E27FC236}">
-                <a16:creationId xmlns:a16="http://schemas.microsoft.com/office/drawing/2014/main" id="{64C535F3-6CAF-4FA5-AE1B-3D2995E44C6F}"/>
-              </a:ext>
-            </a:extLst>
-          </p:cNvPr>
-          <p:cNvSpPr txBox="1"/>
-          <p:nvPr/>
-        </p:nvSpPr>
-        <p:spPr>
-          <a:xfrm>
-            <a:off x="5601768" y="4405331"/>
-            <a:ext cx="394660" cy="369332"/>
-          </a:xfrm>
-          <a:prstGeom prst="rect">
-            <a:avLst/>
-          </a:prstGeom>
-          <a:noFill/>
-        </p:spPr>
-        <p:txBody>
-          <a:bodyPr wrap="none" rtlCol="0">
-            <a:spAutoFit/>
-          </a:bodyPr>
-          <a:lstStyle/>
-          <a:p>
-            <a:r>
-              <a:rPr lang="en-US" dirty="0"/>
-              <a:t>V</a:t>
-            </a:r>
-            <a:r>
-              <a:rPr lang="en-US" baseline="-25000" dirty="0"/>
-              <a:t>2</a:t>
-            </a:r>
-            <a:endParaRPr lang="en-US" dirty="0"/>
-          </a:p>
-        </p:txBody>
-      </p:sp>
-      <p:sp>
-        <p:nvSpPr>
-          <p:cNvPr id="19" name="TextBox 18">
-            <a:extLst>
-              <a:ext uri="{FF2B5EF4-FFF2-40B4-BE49-F238E27FC236}">
-                <a16:creationId xmlns:a16="http://schemas.microsoft.com/office/drawing/2014/main" id="{47F663CA-236C-4F6C-8ADC-42E99649F46C}"/>
-              </a:ext>
-            </a:extLst>
-          </p:cNvPr>
-          <p:cNvSpPr txBox="1"/>
-          <p:nvPr/>
-        </p:nvSpPr>
-        <p:spPr>
-          <a:xfrm>
-            <a:off x="5783693" y="2916680"/>
-            <a:ext cx="468398" cy="369332"/>
-          </a:xfrm>
-          <a:prstGeom prst="rect">
-            <a:avLst/>
-          </a:prstGeom>
-          <a:noFill/>
-        </p:spPr>
-        <p:txBody>
-          <a:bodyPr wrap="none" rtlCol="0">
-            <a:spAutoFit/>
-          </a:bodyPr>
-          <a:lstStyle/>
-          <a:p>
-            <a:r>
-              <a:rPr lang="en-US" dirty="0">
-                <a:solidFill>
-                  <a:srgbClr val="00B0F0"/>
-                </a:solidFill>
-              </a:rPr>
-              <a:t>W</a:t>
-            </a:r>
-            <a:r>
-              <a:rPr lang="en-US" baseline="-25000" dirty="0">
-                <a:solidFill>
-                  <a:srgbClr val="00B0F0"/>
-                </a:solidFill>
-              </a:rPr>
-              <a:t>2</a:t>
-            </a:r>
-            <a:endParaRPr lang="en-US" dirty="0">
-              <a:solidFill>
-                <a:srgbClr val="00B0F0"/>
-              </a:solidFill>
-            </a:endParaRPr>
-          </a:p>
-        </p:txBody>
-      </p:sp>
       <p:cxnSp>
         <p:nvCxnSpPr>
-          <p:cNvPr id="21" name="Straight Arrow Connector 20">
-            <a:extLst>
-              <a:ext uri="{FF2B5EF4-FFF2-40B4-BE49-F238E27FC236}">
-                <a16:creationId xmlns:a16="http://schemas.microsoft.com/office/drawing/2014/main" id="{56FE6565-9F38-4F4A-B4A1-220CE60C10A4}"/>
+          <p:cNvPr id="41" name="Straight Arrow Connector 40">
+            <a:extLst>
+              <a:ext uri="{FF2B5EF4-FFF2-40B4-BE49-F238E27FC236}">
+                <a16:creationId xmlns:a16="http://schemas.microsoft.com/office/drawing/2014/main" id="{B965F7A0-5B7D-4B3C-AF18-7E4CDD5CDFFD}"/>
               </a:ext>
             </a:extLst>
           </p:cNvPr>
@@ -3900,16 +4165,16 @@
           <p:nvPr/>
         </p:nvCxnSpPr>
         <p:spPr>
-          <a:xfrm>
-            <a:off x="10125336" y="3429000"/>
-            <a:ext cx="1080000" cy="0"/>
+          <a:xfrm flipV="1">
+            <a:off x="4826533" y="1053989"/>
+            <a:ext cx="2164814" cy="427922"/>
           </a:xfrm>
           <a:prstGeom prst="straightConnector1">
             <a:avLst/>
           </a:prstGeom>
-          <a:ln>
+          <a:ln w="28575">
             <a:solidFill>
-              <a:srgbClr val="7030A0"/>
+              <a:srgbClr val="00B0F0"/>
             </a:solidFill>
             <a:tailEnd type="triangle"/>
           </a:ln>
@@ -3929,64 +4194,12 @@
           </a:fontRef>
         </p:style>
       </p:cxnSp>
-      <p:sp>
-        <p:nvSpPr>
-          <p:cNvPr id="22" name="TextBox 21">
-            <a:extLst>
-              <a:ext uri="{FF2B5EF4-FFF2-40B4-BE49-F238E27FC236}">
-                <a16:creationId xmlns:a16="http://schemas.microsoft.com/office/drawing/2014/main" id="{7C63DC23-DC22-4877-9C55-245F1075A731}"/>
-              </a:ext>
-            </a:extLst>
-          </p:cNvPr>
-          <p:cNvSpPr txBox="1"/>
-          <p:nvPr/>
-        </p:nvSpPr>
-        <p:spPr>
-          <a:xfrm>
-            <a:off x="10489372" y="3456733"/>
-            <a:ext cx="377026" cy="369332"/>
-          </a:xfrm>
-          <a:prstGeom prst="rect">
-            <a:avLst/>
-          </a:prstGeom>
-          <a:noFill/>
-        </p:spPr>
-        <p:txBody>
-          <a:bodyPr wrap="none" rtlCol="0">
-            <a:spAutoFit/>
-          </a:bodyPr>
-          <a:lstStyle/>
-          <a:p>
-            <a:r>
-              <a:rPr lang="en-US" dirty="0">
-                <a:solidFill>
-                  <a:srgbClr val="7030A0"/>
-                </a:solidFill>
-              </a:rPr>
-              <a:t>V</a:t>
-            </a:r>
-            <a:r>
-              <a:rPr lang="en-US" baseline="-25000" dirty="0">
-                <a:solidFill>
-                  <a:srgbClr val="7030A0"/>
-                </a:solidFill>
-              </a:rPr>
-              <a:t>a</a:t>
-            </a:r>
-            <a:endParaRPr lang="en-US" dirty="0">
-              <a:solidFill>
-                <a:srgbClr val="7030A0"/>
-              </a:solidFill>
-            </a:endParaRPr>
-          </a:p>
-        </p:txBody>
-      </p:sp>
       <p:cxnSp>
         <p:nvCxnSpPr>
-          <p:cNvPr id="23" name="Straight Arrow Connector 22">
-            <a:extLst>
-              <a:ext uri="{FF2B5EF4-FFF2-40B4-BE49-F238E27FC236}">
-                <a16:creationId xmlns:a16="http://schemas.microsoft.com/office/drawing/2014/main" id="{BAFC3357-0278-407E-B315-AA9129549F98}"/>
+          <p:cNvPr id="42" name="Straight Arrow Connector 41">
+            <a:extLst>
+              <a:ext uri="{FF2B5EF4-FFF2-40B4-BE49-F238E27FC236}">
+                <a16:creationId xmlns:a16="http://schemas.microsoft.com/office/drawing/2014/main" id="{E7439314-DE27-464F-B94F-BB76D961E2BC}"/>
               </a:ext>
             </a:extLst>
           </p:cNvPr>
@@ -3997,15 +4210,15 @@
         </p:nvCxnSpPr>
         <p:spPr>
           <a:xfrm>
-            <a:off x="11205336" y="894600"/>
-            <a:ext cx="0" cy="2534400"/>
+            <a:off x="4826533" y="1481017"/>
+            <a:ext cx="2159999" cy="4643109"/>
           </a:xfrm>
           <a:prstGeom prst="straightConnector1">
             <a:avLst/>
           </a:prstGeom>
-          <a:ln>
+          <a:ln w="28575">
             <a:solidFill>
-              <a:srgbClr val="92D050"/>
+              <a:schemeClr val="tx1"/>
             </a:solidFill>
             <a:tailEnd type="triangle"/>
           </a:ln>
@@ -4025,51 +4238,12 @@
           </a:fontRef>
         </p:style>
       </p:cxnSp>
-      <p:sp>
-        <p:nvSpPr>
-          <p:cNvPr id="24" name="TextBox 23">
-            <a:extLst>
-              <a:ext uri="{FF2B5EF4-FFF2-40B4-BE49-F238E27FC236}">
-                <a16:creationId xmlns:a16="http://schemas.microsoft.com/office/drawing/2014/main" id="{979EE969-71B8-4B51-B951-D6CDA8957938}"/>
-              </a:ext>
-            </a:extLst>
-          </p:cNvPr>
-          <p:cNvSpPr txBox="1"/>
-          <p:nvPr/>
-        </p:nvSpPr>
-        <p:spPr>
-          <a:xfrm>
-            <a:off x="11205336" y="1977134"/>
-            <a:ext cx="332142" cy="369332"/>
-          </a:xfrm>
-          <a:prstGeom prst="rect">
-            <a:avLst/>
-          </a:prstGeom>
-          <a:noFill/>
-        </p:spPr>
-        <p:txBody>
-          <a:bodyPr wrap="none" rtlCol="0">
-            <a:spAutoFit/>
-          </a:bodyPr>
-          <a:lstStyle/>
-          <a:p>
-            <a:r>
-              <a:rPr lang="en-US" dirty="0">
-                <a:solidFill>
-                  <a:srgbClr val="92D050"/>
-                </a:solidFill>
-              </a:rPr>
-              <a:t>U</a:t>
-            </a:r>
-          </a:p>
-        </p:txBody>
-      </p:sp>
       <p:cxnSp>
         <p:nvCxnSpPr>
-          <p:cNvPr id="4" name="Straight Arrow Connector 3">
-            <a:extLst>
-              <a:ext uri="{FF2B5EF4-FFF2-40B4-BE49-F238E27FC236}">
-                <a16:creationId xmlns:a16="http://schemas.microsoft.com/office/drawing/2014/main" id="{77CD85ED-D048-4DC3-A96D-C6CA8692074A}"/>
+          <p:cNvPr id="43" name="Straight Connector 42">
+            <a:extLst>
+              <a:ext uri="{FF2B5EF4-FFF2-40B4-BE49-F238E27FC236}">
+                <a16:creationId xmlns:a16="http://schemas.microsoft.com/office/drawing/2014/main" id="{985E1DD5-0C79-4A93-8FED-5FD40C2A04B6}"/>
               </a:ext>
             </a:extLst>
           </p:cNvPr>
@@ -4079,105 +4253,9 @@
           <p:nvPr/>
         </p:nvCxnSpPr>
         <p:spPr>
-          <a:xfrm flipV="1">
-            <a:off x="10125336" y="894601"/>
-            <a:ext cx="1079999" cy="2534398"/>
-          </a:xfrm>
-          <a:prstGeom prst="straightConnector1">
-            <a:avLst/>
-          </a:prstGeom>
-          <a:ln>
-            <a:solidFill>
-              <a:srgbClr val="00B0F0"/>
-            </a:solidFill>
-            <a:tailEnd type="triangle"/>
-          </a:ln>
-        </p:spPr>
-        <p:style>
-          <a:lnRef idx="1">
-            <a:schemeClr val="accent1"/>
-          </a:lnRef>
-          <a:fillRef idx="0">
-            <a:schemeClr val="accent1"/>
-          </a:fillRef>
-          <a:effectRef idx="0">
-            <a:schemeClr val="accent1"/>
-          </a:effectRef>
-          <a:fontRef idx="minor">
-            <a:schemeClr val="tx1"/>
-          </a:fontRef>
-        </p:style>
-      </p:cxnSp>
-      <p:sp>
-        <p:nvSpPr>
-          <p:cNvPr id="25" name="TextBox 24">
-            <a:extLst>
-              <a:ext uri="{FF2B5EF4-FFF2-40B4-BE49-F238E27FC236}">
-                <a16:creationId xmlns:a16="http://schemas.microsoft.com/office/drawing/2014/main" id="{4D63ABB4-2CDA-4358-BFA4-824C93B4ADC7}"/>
-              </a:ext>
-            </a:extLst>
-          </p:cNvPr>
-          <p:cNvSpPr txBox="1"/>
-          <p:nvPr/>
-        </p:nvSpPr>
-        <p:spPr>
           <a:xfrm>
-            <a:off x="10195429" y="1977134"/>
-            <a:ext cx="468398" cy="369332"/>
-          </a:xfrm>
-          <a:prstGeom prst="rect">
-            <a:avLst/>
-          </a:prstGeom>
-          <a:noFill/>
-        </p:spPr>
-        <p:txBody>
-          <a:bodyPr wrap="none" rtlCol="0">
-            <a:spAutoFit/>
-          </a:bodyPr>
-          <a:lstStyle/>
-          <a:p>
-            <a:r>
-              <a:rPr lang="en-US" dirty="0">
-                <a:solidFill>
-                  <a:srgbClr val="00B0F0"/>
-                </a:solidFill>
-              </a:rPr>
-              <a:t>W</a:t>
-            </a:r>
-            <a:r>
-              <a:rPr lang="en-US" baseline="-25000" dirty="0">
-                <a:solidFill>
-                  <a:srgbClr val="00B0F0"/>
-                </a:solidFill>
-              </a:rPr>
-              <a:t>3</a:t>
-            </a:r>
-            <a:endParaRPr lang="en-US" dirty="0">
-              <a:solidFill>
-                <a:srgbClr val="00B0F0"/>
-              </a:solidFill>
-            </a:endParaRPr>
-          </a:p>
-        </p:txBody>
-      </p:sp>
-      <p:cxnSp>
-        <p:nvCxnSpPr>
-          <p:cNvPr id="6" name="Straight Connector 5">
-            <a:extLst>
-              <a:ext uri="{FF2B5EF4-FFF2-40B4-BE49-F238E27FC236}">
-                <a16:creationId xmlns:a16="http://schemas.microsoft.com/office/drawing/2014/main" id="{D0D3BE4A-3399-41B8-9121-1AA0D8D9520A}"/>
-              </a:ext>
-            </a:extLst>
-          </p:cNvPr>
-          <p:cNvCxnSpPr>
-            <a:cxnSpLocks/>
-          </p:cNvCxnSpPr>
-          <p:nvPr/>
-        </p:nvCxnSpPr>
-        <p:spPr>
-          <a:xfrm>
-            <a:off x="5448988" y="2916680"/>
-            <a:ext cx="0" cy="2935480"/>
+            <a:off x="4826533" y="733873"/>
+            <a:ext cx="0" cy="5756574"/>
           </a:xfrm>
           <a:prstGeom prst="line">
             <a:avLst/>
@@ -4209,10 +4287,10 @@
       </p:cxnSp>
       <p:cxnSp>
         <p:nvCxnSpPr>
-          <p:cNvPr id="26" name="Straight Connector 25">
-            <a:extLst>
-              <a:ext uri="{FF2B5EF4-FFF2-40B4-BE49-F238E27FC236}">
-                <a16:creationId xmlns:a16="http://schemas.microsoft.com/office/drawing/2014/main" id="{CB781BE3-1B00-4B27-B44D-339799F6255A}"/>
+          <p:cNvPr id="44" name="Straight Connector 43">
+            <a:extLst>
+              <a:ext uri="{FF2B5EF4-FFF2-40B4-BE49-F238E27FC236}">
+                <a16:creationId xmlns:a16="http://schemas.microsoft.com/office/drawing/2014/main" id="{B94A6538-E16A-45E2-AD78-94738190D05E}"/>
               </a:ext>
             </a:extLst>
           </p:cNvPr>
@@ -4223,366 +4301,8 @@
         </p:nvCxnSpPr>
         <p:spPr>
           <a:xfrm>
-            <a:off x="10125336" y="792480"/>
-            <a:ext cx="0" cy="2844127"/>
-          </a:xfrm>
-          <a:prstGeom prst="line">
-            <a:avLst/>
-          </a:prstGeom>
-          <a:ln w="6350" cap="flat" cmpd="sng" algn="ctr">
-            <a:solidFill>
-              <a:schemeClr val="dk1"/>
-            </a:solidFill>
-            <a:prstDash val="dash"/>
-            <a:round/>
-            <a:headEnd type="none" w="med" len="med"/>
-            <a:tailEnd type="none" w="med" len="med"/>
-          </a:ln>
-        </p:spPr>
-        <p:style>
-          <a:lnRef idx="0">
-            <a:scrgbClr r="0" g="0" b="0"/>
-          </a:lnRef>
-          <a:fillRef idx="0">
-            <a:scrgbClr r="0" g="0" b="0"/>
-          </a:fillRef>
-          <a:effectRef idx="0">
-            <a:scrgbClr r="0" g="0" b="0"/>
-          </a:effectRef>
-          <a:fontRef idx="minor">
-            <a:schemeClr val="tx1"/>
-          </a:fontRef>
-        </p:style>
-      </p:cxnSp>
-      <p:sp>
-        <p:nvSpPr>
-          <p:cNvPr id="28" name="Arc 27">
-            <a:extLst>
-              <a:ext uri="{FF2B5EF4-FFF2-40B4-BE49-F238E27FC236}">
-                <a16:creationId xmlns:a16="http://schemas.microsoft.com/office/drawing/2014/main" id="{1C94705F-8A50-4CC8-A3D2-25F672B2032B}"/>
-              </a:ext>
-            </a:extLst>
-          </p:cNvPr>
-          <p:cNvSpPr/>
-          <p:nvPr/>
-        </p:nvSpPr>
-        <p:spPr>
-          <a:xfrm rot="20808730">
-            <a:off x="5319897" y="3255210"/>
-            <a:ext cx="342173" cy="333486"/>
-          </a:xfrm>
-          <a:prstGeom prst="arc">
-            <a:avLst/>
-          </a:prstGeom>
-          <a:ln w="9525" cap="flat" cmpd="sng" algn="ctr">
-            <a:solidFill>
-              <a:srgbClr val="00B0F0"/>
-            </a:solidFill>
-            <a:prstDash val="solid"/>
-            <a:round/>
-            <a:headEnd type="arrow" w="med" len="med"/>
-            <a:tailEnd type="arrow" w="med" len="med"/>
-          </a:ln>
-        </p:spPr>
-        <p:style>
-          <a:lnRef idx="0">
-            <a:scrgbClr r="0" g="0" b="0"/>
-          </a:lnRef>
-          <a:fillRef idx="0">
-            <a:scrgbClr r="0" g="0" b="0"/>
-          </a:fillRef>
-          <a:effectRef idx="0">
-            <a:scrgbClr r="0" g="0" b="0"/>
-          </a:effectRef>
-          <a:fontRef idx="minor">
-            <a:schemeClr val="tx1"/>
-          </a:fontRef>
-        </p:style>
-        <p:txBody>
-          <a:bodyPr rtlCol="0" anchor="ctr"/>
-          <a:lstStyle/>
-          <a:p>
-            <a:pPr algn="ctr"/>
-            <a:endParaRPr lang="en-US">
-              <a:solidFill>
-                <a:srgbClr val="00B0F0"/>
-              </a:solidFill>
-            </a:endParaRPr>
-          </a:p>
-        </p:txBody>
-      </p:sp>
-      <p:sp>
-        <p:nvSpPr>
-          <p:cNvPr id="29" name="Arc 28">
-            <a:extLst>
-              <a:ext uri="{FF2B5EF4-FFF2-40B4-BE49-F238E27FC236}">
-                <a16:creationId xmlns:a16="http://schemas.microsoft.com/office/drawing/2014/main" id="{4273FBBA-3650-4185-852D-37AFEFC00B5B}"/>
-              </a:ext>
-            </a:extLst>
-          </p:cNvPr>
-          <p:cNvSpPr/>
-          <p:nvPr/>
-        </p:nvSpPr>
-        <p:spPr>
-          <a:xfrm rot="7250106">
-            <a:off x="5385692" y="3668644"/>
-            <a:ext cx="287002" cy="374124"/>
-          </a:xfrm>
-          <a:prstGeom prst="arc">
-            <a:avLst/>
-          </a:prstGeom>
-          <a:ln w="9525" cap="flat" cmpd="sng" algn="ctr">
-            <a:solidFill>
-              <a:schemeClr val="tx1"/>
-            </a:solidFill>
-            <a:prstDash val="solid"/>
-            <a:round/>
-            <a:headEnd type="arrow" w="med" len="med"/>
-            <a:tailEnd type="arrow" w="med" len="med"/>
-          </a:ln>
-        </p:spPr>
-        <p:style>
-          <a:lnRef idx="0">
-            <a:scrgbClr r="0" g="0" b="0"/>
-          </a:lnRef>
-          <a:fillRef idx="0">
-            <a:scrgbClr r="0" g="0" b="0"/>
-          </a:fillRef>
-          <a:effectRef idx="0">
-            <a:scrgbClr r="0" g="0" b="0"/>
-          </a:effectRef>
-          <a:fontRef idx="minor">
-            <a:schemeClr val="tx1"/>
-          </a:fontRef>
-        </p:style>
-        <p:txBody>
-          <a:bodyPr rtlCol="0" anchor="ctr"/>
-          <a:lstStyle/>
-          <a:p>
-            <a:pPr algn="ctr"/>
-            <a:endParaRPr lang="en-US"/>
-          </a:p>
-        </p:txBody>
-      </p:sp>
-      <p:sp>
-        <p:nvSpPr>
-          <p:cNvPr id="30" name="TextBox 29">
-            <a:extLst>
-              <a:ext uri="{FF2B5EF4-FFF2-40B4-BE49-F238E27FC236}">
-                <a16:creationId xmlns:a16="http://schemas.microsoft.com/office/drawing/2014/main" id="{CAEB2ABD-6E75-4BC7-8FA1-1BE465100844}"/>
-              </a:ext>
-            </a:extLst>
-          </p:cNvPr>
-          <p:cNvSpPr txBox="1"/>
-          <p:nvPr/>
-        </p:nvSpPr>
-        <p:spPr>
-          <a:xfrm>
-            <a:off x="5497779" y="3005953"/>
-            <a:ext cx="409233" cy="276999"/>
-          </a:xfrm>
-          <a:prstGeom prst="rect">
-            <a:avLst/>
-          </a:prstGeom>
-          <a:noFill/>
-        </p:spPr>
-        <p:txBody>
-          <a:bodyPr wrap="square" rtlCol="0">
-            <a:spAutoFit/>
-          </a:bodyPr>
-          <a:lstStyle/>
-          <a:p>
-            <a:r>
-              <a:rPr lang="el-GR" sz="1200" dirty="0">
-                <a:solidFill>
-                  <a:srgbClr val="00B0F0"/>
-                </a:solidFill>
-              </a:rPr>
-              <a:t>β</a:t>
-            </a:r>
-            <a:r>
-              <a:rPr lang="en-US" sz="1200" baseline="-25000" dirty="0">
-                <a:solidFill>
-                  <a:srgbClr val="00B0F0"/>
-                </a:solidFill>
-              </a:rPr>
-              <a:t>2</a:t>
-            </a:r>
-            <a:endParaRPr lang="en-US" sz="1200" dirty="0">
-              <a:solidFill>
-                <a:srgbClr val="00B0F0"/>
-              </a:solidFill>
-            </a:endParaRPr>
-          </a:p>
-        </p:txBody>
-      </p:sp>
-      <p:sp>
-        <p:nvSpPr>
-          <p:cNvPr id="31" name="TextBox 30">
-            <a:extLst>
-              <a:ext uri="{FF2B5EF4-FFF2-40B4-BE49-F238E27FC236}">
-                <a16:creationId xmlns:a16="http://schemas.microsoft.com/office/drawing/2014/main" id="{B4726EB7-9C34-48FF-90C5-1D85C53F88C2}"/>
-              </a:ext>
-            </a:extLst>
-          </p:cNvPr>
-          <p:cNvSpPr txBox="1"/>
-          <p:nvPr/>
-        </p:nvSpPr>
-        <p:spPr>
-          <a:xfrm>
-            <a:off x="5448987" y="3971479"/>
-            <a:ext cx="409233" cy="276999"/>
-          </a:xfrm>
-          <a:prstGeom prst="rect">
-            <a:avLst/>
-          </a:prstGeom>
-          <a:noFill/>
-        </p:spPr>
-        <p:txBody>
-          <a:bodyPr wrap="square" rtlCol="0">
-            <a:spAutoFit/>
-          </a:bodyPr>
-          <a:lstStyle/>
-          <a:p>
-            <a:r>
-              <a:rPr lang="el-GR" sz="1200" dirty="0"/>
-              <a:t>α</a:t>
-            </a:r>
-            <a:r>
-              <a:rPr lang="en-US" sz="1200" baseline="-25000" dirty="0"/>
-              <a:t>2</a:t>
-            </a:r>
-            <a:endParaRPr lang="en-US" sz="1200" dirty="0"/>
-          </a:p>
-        </p:txBody>
-      </p:sp>
-      <p:sp>
-        <p:nvSpPr>
-          <p:cNvPr id="32" name="TextBox 31">
-            <a:extLst>
-              <a:ext uri="{FF2B5EF4-FFF2-40B4-BE49-F238E27FC236}">
-                <a16:creationId xmlns:a16="http://schemas.microsoft.com/office/drawing/2014/main" id="{FBC15285-F5DA-4028-9A15-2E80F0F08AB1}"/>
-              </a:ext>
-            </a:extLst>
-          </p:cNvPr>
-          <p:cNvSpPr txBox="1"/>
-          <p:nvPr/>
-        </p:nvSpPr>
-        <p:spPr>
-          <a:xfrm>
-            <a:off x="10125335" y="2545872"/>
-            <a:ext cx="409233" cy="276999"/>
-          </a:xfrm>
-          <a:prstGeom prst="rect">
-            <a:avLst/>
-          </a:prstGeom>
-          <a:noFill/>
-        </p:spPr>
-        <p:txBody>
-          <a:bodyPr wrap="square" rtlCol="0">
-            <a:spAutoFit/>
-          </a:bodyPr>
-          <a:lstStyle/>
-          <a:p>
-            <a:r>
-              <a:rPr lang="el-GR" sz="1200" dirty="0">
-                <a:solidFill>
-                  <a:srgbClr val="00B0F0"/>
-                </a:solidFill>
-              </a:rPr>
-              <a:t>β</a:t>
-            </a:r>
-            <a:r>
-              <a:rPr lang="en-US" sz="1200" baseline="-25000" dirty="0">
-                <a:solidFill>
-                  <a:srgbClr val="00B0F0"/>
-                </a:solidFill>
-              </a:rPr>
-              <a:t>3</a:t>
-            </a:r>
-            <a:endParaRPr lang="en-US" sz="1200" dirty="0">
-              <a:solidFill>
-                <a:srgbClr val="00B0F0"/>
-              </a:solidFill>
-            </a:endParaRPr>
-          </a:p>
-        </p:txBody>
-      </p:sp>
-      <p:sp>
-        <p:nvSpPr>
-          <p:cNvPr id="33" name="Arc 32">
-            <a:extLst>
-              <a:ext uri="{FF2B5EF4-FFF2-40B4-BE49-F238E27FC236}">
-                <a16:creationId xmlns:a16="http://schemas.microsoft.com/office/drawing/2014/main" id="{A552AFCE-1A7D-43CD-9A21-691BC6A2A51F}"/>
-              </a:ext>
-            </a:extLst>
-          </p:cNvPr>
-          <p:cNvSpPr/>
-          <p:nvPr/>
-        </p:nvSpPr>
-        <p:spPr>
-          <a:xfrm rot="19911979">
-            <a:off x="10029045" y="2820693"/>
-            <a:ext cx="342173" cy="333486"/>
-          </a:xfrm>
-          <a:prstGeom prst="arc">
-            <a:avLst/>
-          </a:prstGeom>
-          <a:ln w="9525" cap="flat" cmpd="sng" algn="ctr">
-            <a:solidFill>
-              <a:srgbClr val="00B0F0"/>
-            </a:solidFill>
-            <a:prstDash val="solid"/>
-            <a:round/>
-            <a:headEnd type="arrow" w="med" len="med"/>
-            <a:tailEnd type="arrow" w="med" len="med"/>
-          </a:ln>
-        </p:spPr>
-        <p:style>
-          <a:lnRef idx="0">
-            <a:scrgbClr r="0" g="0" b="0"/>
-          </a:lnRef>
-          <a:fillRef idx="0">
-            <a:scrgbClr r="0" g="0" b="0"/>
-          </a:fillRef>
-          <a:effectRef idx="0">
-            <a:scrgbClr r="0" g="0" b="0"/>
-          </a:effectRef>
-          <a:fontRef idx="minor">
-            <a:schemeClr val="tx1"/>
-          </a:fontRef>
-        </p:style>
-        <p:txBody>
-          <a:bodyPr rtlCol="0" anchor="ctr"/>
-          <a:lstStyle/>
-          <a:p>
-            <a:pPr algn="ctr"/>
-            <a:endParaRPr lang="en-US">
-              <a:solidFill>
-                <a:srgbClr val="00B0F0"/>
-              </a:solidFill>
-            </a:endParaRPr>
-          </a:p>
-        </p:txBody>
-      </p:sp>
-      <p:cxnSp>
-        <p:nvCxnSpPr>
-          <p:cNvPr id="35" name="Straight Connector 34">
-            <a:extLst>
-              <a:ext uri="{FF2B5EF4-FFF2-40B4-BE49-F238E27FC236}">
-                <a16:creationId xmlns:a16="http://schemas.microsoft.com/office/drawing/2014/main" id="{62A1D2D2-4A65-4362-B0CC-2B3267FD23A6}"/>
-              </a:ext>
-            </a:extLst>
-          </p:cNvPr>
-          <p:cNvCxnSpPr>
-            <a:cxnSpLocks/>
-          </p:cNvCxnSpPr>
-          <p:nvPr/>
-        </p:nvCxnSpPr>
-        <p:spPr>
-          <a:xfrm>
-            <a:off x="6522192" y="2916680"/>
-            <a:ext cx="0" cy="2935480"/>
+            <a:off x="7388223" y="772324"/>
+            <a:ext cx="0" cy="5679671"/>
           </a:xfrm>
           <a:prstGeom prst="line">
             <a:avLst/>
@@ -4614,10 +4334,10 @@
       </p:cxnSp>
       <p:cxnSp>
         <p:nvCxnSpPr>
-          <p:cNvPr id="36" name="Straight Connector 35">
-            <a:extLst>
-              <a:ext uri="{FF2B5EF4-FFF2-40B4-BE49-F238E27FC236}">
-                <a16:creationId xmlns:a16="http://schemas.microsoft.com/office/drawing/2014/main" id="{7F1FD5EB-6C1E-4050-B438-622AC1B1499C}"/>
+          <p:cNvPr id="45" name="Straight Connector 44">
+            <a:extLst>
+              <a:ext uri="{FF2B5EF4-FFF2-40B4-BE49-F238E27FC236}">
+                <a16:creationId xmlns:a16="http://schemas.microsoft.com/office/drawing/2014/main" id="{B364AA5C-EAB7-4923-8591-B85EB9E48A45}"/>
               </a:ext>
             </a:extLst>
           </p:cNvPr>
@@ -4628,7 +4348,7 @@
         </p:nvCxnSpPr>
         <p:spPr>
           <a:xfrm>
-            <a:off x="6374651" y="5750998"/>
+            <a:off x="6832051" y="6124126"/>
             <a:ext cx="699296" cy="0"/>
           </a:xfrm>
           <a:prstGeom prst="line">
@@ -4661,10 +4381,10 @@
       </p:cxnSp>
       <p:cxnSp>
         <p:nvCxnSpPr>
-          <p:cNvPr id="39" name="Straight Connector 38">
-            <a:extLst>
-              <a:ext uri="{FF2B5EF4-FFF2-40B4-BE49-F238E27FC236}">
-                <a16:creationId xmlns:a16="http://schemas.microsoft.com/office/drawing/2014/main" id="{ACBD9355-D2D2-49CD-A60C-C69AD4433D12}"/>
+          <p:cNvPr id="46" name="Straight Connector 45">
+            <a:extLst>
+              <a:ext uri="{FF2B5EF4-FFF2-40B4-BE49-F238E27FC236}">
+                <a16:creationId xmlns:a16="http://schemas.microsoft.com/office/drawing/2014/main" id="{BA232EF8-886F-4454-AC16-2E058B6BD49B}"/>
               </a:ext>
             </a:extLst>
           </p:cNvPr>
@@ -4675,8 +4395,382 @@
         </p:nvCxnSpPr>
         <p:spPr>
           <a:xfrm>
-            <a:off x="6347630" y="3215151"/>
+            <a:off x="6832051" y="1055326"/>
             <a:ext cx="699296" cy="0"/>
+          </a:xfrm>
+          <a:prstGeom prst="line">
+            <a:avLst/>
+          </a:prstGeom>
+          <a:ln w="6350" cap="flat" cmpd="sng" algn="ctr">
+            <a:solidFill>
+              <a:schemeClr val="dk1"/>
+            </a:solidFill>
+            <a:prstDash val="dash"/>
+            <a:round/>
+            <a:headEnd type="none" w="med" len="med"/>
+            <a:tailEnd type="none" w="med" len="med"/>
+          </a:ln>
+        </p:spPr>
+        <p:style>
+          <a:lnRef idx="0">
+            <a:scrgbClr r="0" g="0" b="0"/>
+          </a:lnRef>
+          <a:fillRef idx="0">
+            <a:scrgbClr r="0" g="0" b="0"/>
+          </a:fillRef>
+          <a:effectRef idx="0">
+            <a:scrgbClr r="0" g="0" b="0"/>
+          </a:effectRef>
+          <a:fontRef idx="minor">
+            <a:schemeClr val="tx1"/>
+          </a:fontRef>
+        </p:style>
+      </p:cxnSp>
+      <p:cxnSp>
+        <p:nvCxnSpPr>
+          <p:cNvPr id="47" name="Straight Arrow Connector 46">
+            <a:extLst>
+              <a:ext uri="{FF2B5EF4-FFF2-40B4-BE49-F238E27FC236}">
+                <a16:creationId xmlns:a16="http://schemas.microsoft.com/office/drawing/2014/main" id="{E224E5FA-01E1-4A57-BAA8-4D041EE2854E}"/>
+              </a:ext>
+            </a:extLst>
+          </p:cNvPr>
+          <p:cNvCxnSpPr>
+            <a:cxnSpLocks/>
+          </p:cNvCxnSpPr>
+          <p:nvPr/>
+        </p:nvCxnSpPr>
+        <p:spPr>
+          <a:xfrm>
+            <a:off x="729663" y="3048949"/>
+            <a:ext cx="2160000" cy="0"/>
+          </a:xfrm>
+          <a:prstGeom prst="straightConnector1">
+            <a:avLst/>
+          </a:prstGeom>
+          <a:ln w="28575">
+            <a:solidFill>
+              <a:srgbClr val="7030A0"/>
+            </a:solidFill>
+            <a:tailEnd type="triangle"/>
+          </a:ln>
+        </p:spPr>
+        <p:style>
+          <a:lnRef idx="1">
+            <a:schemeClr val="accent1"/>
+          </a:lnRef>
+          <a:fillRef idx="0">
+            <a:schemeClr val="accent1"/>
+          </a:fillRef>
+          <a:effectRef idx="0">
+            <a:schemeClr val="accent1"/>
+          </a:effectRef>
+          <a:fontRef idx="minor">
+            <a:schemeClr val="tx1"/>
+          </a:fontRef>
+        </p:style>
+      </p:cxnSp>
+      <p:cxnSp>
+        <p:nvCxnSpPr>
+          <p:cNvPr id="48" name="Straight Arrow Connector 47">
+            <a:extLst>
+              <a:ext uri="{FF2B5EF4-FFF2-40B4-BE49-F238E27FC236}">
+                <a16:creationId xmlns:a16="http://schemas.microsoft.com/office/drawing/2014/main" id="{F170CE4E-0819-4FBE-94A0-626ED757EA90}"/>
+              </a:ext>
+            </a:extLst>
+          </p:cNvPr>
+          <p:cNvCxnSpPr>
+            <a:cxnSpLocks/>
+          </p:cNvCxnSpPr>
+          <p:nvPr/>
+        </p:nvCxnSpPr>
+        <p:spPr>
+          <a:xfrm>
+            <a:off x="8915745" y="5901099"/>
+            <a:ext cx="2160000" cy="0"/>
+          </a:xfrm>
+          <a:prstGeom prst="straightConnector1">
+            <a:avLst/>
+          </a:prstGeom>
+          <a:ln w="28575">
+            <a:solidFill>
+              <a:srgbClr val="7030A0"/>
+            </a:solidFill>
+            <a:tailEnd type="triangle"/>
+          </a:ln>
+        </p:spPr>
+        <p:style>
+          <a:lnRef idx="1">
+            <a:schemeClr val="accent1"/>
+          </a:lnRef>
+          <a:fillRef idx="0">
+            <a:schemeClr val="accent1"/>
+          </a:fillRef>
+          <a:effectRef idx="0">
+            <a:schemeClr val="accent1"/>
+          </a:effectRef>
+          <a:fontRef idx="minor">
+            <a:schemeClr val="tx1"/>
+          </a:fontRef>
+        </p:style>
+      </p:cxnSp>
+      <p:cxnSp>
+        <p:nvCxnSpPr>
+          <p:cNvPr id="49" name="Straight Arrow Connector 48">
+            <a:extLst>
+              <a:ext uri="{FF2B5EF4-FFF2-40B4-BE49-F238E27FC236}">
+                <a16:creationId xmlns:a16="http://schemas.microsoft.com/office/drawing/2014/main" id="{F432BA9E-5447-4FCC-B5D5-46561B2CCC4E}"/>
+              </a:ext>
+            </a:extLst>
+          </p:cNvPr>
+          <p:cNvCxnSpPr>
+            <a:cxnSpLocks/>
+          </p:cNvCxnSpPr>
+          <p:nvPr/>
+        </p:nvCxnSpPr>
+        <p:spPr>
+          <a:xfrm>
+            <a:off x="11075745" y="832299"/>
+            <a:ext cx="0" cy="5068800"/>
+          </a:xfrm>
+          <a:prstGeom prst="straightConnector1">
+            <a:avLst/>
+          </a:prstGeom>
+          <a:ln w="28575">
+            <a:solidFill>
+              <a:srgbClr val="92D050"/>
+            </a:solidFill>
+            <a:tailEnd type="triangle"/>
+          </a:ln>
+        </p:spPr>
+        <p:style>
+          <a:lnRef idx="1">
+            <a:schemeClr val="accent1"/>
+          </a:lnRef>
+          <a:fillRef idx="0">
+            <a:schemeClr val="accent1"/>
+          </a:fillRef>
+          <a:effectRef idx="0">
+            <a:schemeClr val="accent1"/>
+          </a:effectRef>
+          <a:fontRef idx="minor">
+            <a:schemeClr val="tx1"/>
+          </a:fontRef>
+        </p:style>
+      </p:cxnSp>
+      <p:cxnSp>
+        <p:nvCxnSpPr>
+          <p:cNvPr id="50" name="Straight Arrow Connector 49">
+            <a:extLst>
+              <a:ext uri="{FF2B5EF4-FFF2-40B4-BE49-F238E27FC236}">
+                <a16:creationId xmlns:a16="http://schemas.microsoft.com/office/drawing/2014/main" id="{7C5B35A9-8292-40DD-8DD5-FC65AAC12BAC}"/>
+              </a:ext>
+            </a:extLst>
+          </p:cNvPr>
+          <p:cNvCxnSpPr>
+            <a:cxnSpLocks/>
+          </p:cNvCxnSpPr>
+          <p:nvPr/>
+        </p:nvCxnSpPr>
+        <p:spPr>
+          <a:xfrm flipV="1">
+            <a:off x="8915745" y="840028"/>
+            <a:ext cx="2163372" cy="5061070"/>
+          </a:xfrm>
+          <a:prstGeom prst="straightConnector1">
+            <a:avLst/>
+          </a:prstGeom>
+          <a:ln w="28575">
+            <a:solidFill>
+              <a:srgbClr val="00B0F0"/>
+            </a:solidFill>
+            <a:tailEnd type="triangle"/>
+          </a:ln>
+        </p:spPr>
+        <p:style>
+          <a:lnRef idx="1">
+            <a:schemeClr val="accent1"/>
+          </a:lnRef>
+          <a:fillRef idx="0">
+            <a:schemeClr val="accent1"/>
+          </a:fillRef>
+          <a:effectRef idx="0">
+            <a:schemeClr val="accent1"/>
+          </a:effectRef>
+          <a:fontRef idx="minor">
+            <a:schemeClr val="tx1"/>
+          </a:fontRef>
+        </p:style>
+      </p:cxnSp>
+      <p:cxnSp>
+        <p:nvCxnSpPr>
+          <p:cNvPr id="51" name="Straight Connector 50">
+            <a:extLst>
+              <a:ext uri="{FF2B5EF4-FFF2-40B4-BE49-F238E27FC236}">
+                <a16:creationId xmlns:a16="http://schemas.microsoft.com/office/drawing/2014/main" id="{C579AF6C-34D9-4D91-832C-8B0C42BD1AD0}"/>
+              </a:ext>
+            </a:extLst>
+          </p:cNvPr>
+          <p:cNvCxnSpPr>
+            <a:cxnSpLocks/>
+          </p:cNvCxnSpPr>
+          <p:nvPr/>
+        </p:nvCxnSpPr>
+        <p:spPr>
+          <a:xfrm>
+            <a:off x="8915745" y="564959"/>
+            <a:ext cx="0" cy="5641575"/>
+          </a:xfrm>
+          <a:prstGeom prst="line">
+            <a:avLst/>
+          </a:prstGeom>
+          <a:ln w="6350" cap="flat" cmpd="sng" algn="ctr">
+            <a:solidFill>
+              <a:schemeClr val="dk1"/>
+            </a:solidFill>
+            <a:prstDash val="dash"/>
+            <a:round/>
+            <a:headEnd type="none" w="med" len="med"/>
+            <a:tailEnd type="none" w="med" len="med"/>
+          </a:ln>
+        </p:spPr>
+        <p:style>
+          <a:lnRef idx="0">
+            <a:scrgbClr r="0" g="0" b="0"/>
+          </a:lnRef>
+          <a:fillRef idx="0">
+            <a:scrgbClr r="0" g="0" b="0"/>
+          </a:fillRef>
+          <a:effectRef idx="0">
+            <a:scrgbClr r="0" g="0" b="0"/>
+          </a:effectRef>
+          <a:fontRef idx="minor">
+            <a:schemeClr val="tx1"/>
+          </a:fontRef>
+        </p:style>
+      </p:cxnSp>
+      <p:cxnSp>
+        <p:nvCxnSpPr>
+          <p:cNvPr id="52" name="Straight Connector 51">
+            <a:extLst>
+              <a:ext uri="{FF2B5EF4-FFF2-40B4-BE49-F238E27FC236}">
+                <a16:creationId xmlns:a16="http://schemas.microsoft.com/office/drawing/2014/main" id="{003A6274-B682-4929-815B-51BDA56B7E76}"/>
+              </a:ext>
+            </a:extLst>
+          </p:cNvPr>
+          <p:cNvCxnSpPr>
+            <a:cxnSpLocks/>
+          </p:cNvCxnSpPr>
+          <p:nvPr/>
+        </p:nvCxnSpPr>
+        <p:spPr>
+          <a:xfrm>
+            <a:off x="11075745" y="526863"/>
+            <a:ext cx="0" cy="5679671"/>
+          </a:xfrm>
+          <a:prstGeom prst="line">
+            <a:avLst/>
+          </a:prstGeom>
+          <a:ln w="6350" cap="flat" cmpd="sng" algn="ctr">
+            <a:solidFill>
+              <a:schemeClr val="dk1"/>
+            </a:solidFill>
+            <a:prstDash val="dash"/>
+            <a:round/>
+            <a:headEnd type="none" w="med" len="med"/>
+            <a:tailEnd type="none" w="med" len="med"/>
+          </a:ln>
+        </p:spPr>
+        <p:style>
+          <a:lnRef idx="0">
+            <a:scrgbClr r="0" g="0" b="0"/>
+          </a:lnRef>
+          <a:fillRef idx="0">
+            <a:scrgbClr r="0" g="0" b="0"/>
+          </a:fillRef>
+          <a:effectRef idx="0">
+            <a:scrgbClr r="0" g="0" b="0"/>
+          </a:effectRef>
+          <a:fontRef idx="minor">
+            <a:schemeClr val="tx1"/>
+          </a:fontRef>
+        </p:style>
+      </p:cxnSp>
+      <p:sp>
+        <p:nvSpPr>
+          <p:cNvPr id="53" name="Arc 52">
+            <a:extLst>
+              <a:ext uri="{FF2B5EF4-FFF2-40B4-BE49-F238E27FC236}">
+                <a16:creationId xmlns:a16="http://schemas.microsoft.com/office/drawing/2014/main" id="{29302B44-8786-4E43-89FD-E8CD277ED3AF}"/>
+              </a:ext>
+            </a:extLst>
+          </p:cNvPr>
+          <p:cNvSpPr/>
+          <p:nvPr/>
+        </p:nvSpPr>
+        <p:spPr>
+          <a:xfrm rot="1021731">
+            <a:off x="6226805" y="1156364"/>
+            <a:ext cx="433120" cy="558088"/>
+          </a:xfrm>
+          <a:prstGeom prst="arc">
+            <a:avLst/>
+          </a:prstGeom>
+          <a:ln w="9525" cap="flat" cmpd="sng" algn="ctr">
+            <a:solidFill>
+              <a:srgbClr val="00B0F0"/>
+            </a:solidFill>
+            <a:prstDash val="solid"/>
+            <a:round/>
+            <a:headEnd type="arrow" w="med" len="med"/>
+            <a:tailEnd type="arrow" w="med" len="med"/>
+          </a:ln>
+        </p:spPr>
+        <p:style>
+          <a:lnRef idx="0">
+            <a:scrgbClr r="0" g="0" b="0"/>
+          </a:lnRef>
+          <a:fillRef idx="0">
+            <a:scrgbClr r="0" g="0" b="0"/>
+          </a:fillRef>
+          <a:effectRef idx="0">
+            <a:scrgbClr r="0" g="0" b="0"/>
+          </a:effectRef>
+          <a:fontRef idx="minor">
+            <a:schemeClr val="tx1"/>
+          </a:fontRef>
+        </p:style>
+        <p:txBody>
+          <a:bodyPr rtlCol="0" anchor="ctr"/>
+          <a:lstStyle/>
+          <a:p>
+            <a:pPr algn="ctr"/>
+            <a:endParaRPr lang="en-US">
+              <a:solidFill>
+                <a:srgbClr val="00B0F0"/>
+              </a:solidFill>
+            </a:endParaRPr>
+          </a:p>
+        </p:txBody>
+      </p:sp>
+      <p:cxnSp>
+        <p:nvCxnSpPr>
+          <p:cNvPr id="54" name="Straight Connector 53">
+            <a:extLst>
+              <a:ext uri="{FF2B5EF4-FFF2-40B4-BE49-F238E27FC236}">
+                <a16:creationId xmlns:a16="http://schemas.microsoft.com/office/drawing/2014/main" id="{09BC86E9-D557-4E3F-B2FE-94FB48726E2F}"/>
+              </a:ext>
+            </a:extLst>
+          </p:cNvPr>
+          <p:cNvCxnSpPr>
+            <a:cxnSpLocks/>
+          </p:cNvCxnSpPr>
+          <p:nvPr/>
+        </p:nvCxnSpPr>
+        <p:spPr>
+          <a:xfrm>
+            <a:off x="6978746" y="783495"/>
+            <a:ext cx="0" cy="5679671"/>
           </a:xfrm>
           <a:prstGeom prst="line">
             <a:avLst/>

--- a/figures/speed_triangles_2.pptx
+++ b/figures/speed_triangles_2.pptx
@@ -259,7 +259,7 @@
           <a:p>
             <a:fld id="{A6E2C317-66DB-4326-8236-4682C01F4A41}" type="datetimeFigureOut">
               <a:rPr lang="en-US" smtClean="0"/>
-              <a:t>25-Mar-19</a:t>
+              <a:t>05-May-19</a:t>
             </a:fld>
             <a:endParaRPr lang="en-US"/>
           </a:p>
@@ -457,7 +457,7 @@
           <a:p>
             <a:fld id="{A6E2C317-66DB-4326-8236-4682C01F4A41}" type="datetimeFigureOut">
               <a:rPr lang="en-US" smtClean="0"/>
-              <a:t>25-Mar-19</a:t>
+              <a:t>05-May-19</a:t>
             </a:fld>
             <a:endParaRPr lang="en-US"/>
           </a:p>
@@ -665,7 +665,7 @@
           <a:p>
             <a:fld id="{A6E2C317-66DB-4326-8236-4682C01F4A41}" type="datetimeFigureOut">
               <a:rPr lang="en-US" smtClean="0"/>
-              <a:t>25-Mar-19</a:t>
+              <a:t>05-May-19</a:t>
             </a:fld>
             <a:endParaRPr lang="en-US"/>
           </a:p>
@@ -863,7 +863,7 @@
           <a:p>
             <a:fld id="{A6E2C317-66DB-4326-8236-4682C01F4A41}" type="datetimeFigureOut">
               <a:rPr lang="en-US" smtClean="0"/>
-              <a:t>25-Mar-19</a:t>
+              <a:t>05-May-19</a:t>
             </a:fld>
             <a:endParaRPr lang="en-US"/>
           </a:p>
@@ -1138,7 +1138,7 @@
           <a:p>
             <a:fld id="{A6E2C317-66DB-4326-8236-4682C01F4A41}" type="datetimeFigureOut">
               <a:rPr lang="en-US" smtClean="0"/>
-              <a:t>25-Mar-19</a:t>
+              <a:t>05-May-19</a:t>
             </a:fld>
             <a:endParaRPr lang="en-US"/>
           </a:p>
@@ -1403,7 +1403,7 @@
           <a:p>
             <a:fld id="{A6E2C317-66DB-4326-8236-4682C01F4A41}" type="datetimeFigureOut">
               <a:rPr lang="en-US" smtClean="0"/>
-              <a:t>25-Mar-19</a:t>
+              <a:t>05-May-19</a:t>
             </a:fld>
             <a:endParaRPr lang="en-US"/>
           </a:p>
@@ -1815,7 +1815,7 @@
           <a:p>
             <a:fld id="{A6E2C317-66DB-4326-8236-4682C01F4A41}" type="datetimeFigureOut">
               <a:rPr lang="en-US" smtClean="0"/>
-              <a:t>25-Mar-19</a:t>
+              <a:t>05-May-19</a:t>
             </a:fld>
             <a:endParaRPr lang="en-US"/>
           </a:p>
@@ -1956,7 +1956,7 @@
           <a:p>
             <a:fld id="{A6E2C317-66DB-4326-8236-4682C01F4A41}" type="datetimeFigureOut">
               <a:rPr lang="en-US" smtClean="0"/>
-              <a:t>25-Mar-19</a:t>
+              <a:t>05-May-19</a:t>
             </a:fld>
             <a:endParaRPr lang="en-US"/>
           </a:p>
@@ -2069,7 +2069,7 @@
           <a:p>
             <a:fld id="{A6E2C317-66DB-4326-8236-4682C01F4A41}" type="datetimeFigureOut">
               <a:rPr lang="en-US" smtClean="0"/>
-              <a:t>25-Mar-19</a:t>
+              <a:t>05-May-19</a:t>
             </a:fld>
             <a:endParaRPr lang="en-US"/>
           </a:p>
@@ -2380,7 +2380,7 @@
           <a:p>
             <a:fld id="{A6E2C317-66DB-4326-8236-4682C01F4A41}" type="datetimeFigureOut">
               <a:rPr lang="en-US" smtClean="0"/>
-              <a:t>25-Mar-19</a:t>
+              <a:t>05-May-19</a:t>
             </a:fld>
             <a:endParaRPr lang="en-US"/>
           </a:p>
@@ -2668,7 +2668,7 @@
           <a:p>
             <a:fld id="{A6E2C317-66DB-4326-8236-4682C01F4A41}" type="datetimeFigureOut">
               <a:rPr lang="en-US" smtClean="0"/>
-              <a:t>25-Mar-19</a:t>
+              <a:t>05-May-19</a:t>
             </a:fld>
             <a:endParaRPr lang="en-US"/>
           </a:p>
@@ -2909,7 +2909,7 @@
           <a:p>
             <a:fld id="{A6E2C317-66DB-4326-8236-4682C01F4A41}" type="datetimeFigureOut">
               <a:rPr lang="en-US" smtClean="0"/>
-              <a:t>25-Mar-19</a:t>
+              <a:t>05-May-19</a:t>
             </a:fld>
             <a:endParaRPr lang="en-US"/>
           </a:p>
@@ -3340,8 +3340,8 @@
         </p:nvSpPr>
         <p:spPr>
           <a:xfrm>
-            <a:off x="1621150" y="3052621"/>
-            <a:ext cx="377026" cy="369332"/>
+            <a:off x="1773550" y="3205717"/>
+            <a:ext cx="429926" cy="369332"/>
           </a:xfrm>
           <a:prstGeom prst="rect">
             <a:avLst/>
@@ -3349,7 +3349,7 @@
           <a:noFill/>
         </p:spPr>
         <p:txBody>
-          <a:bodyPr wrap="none" rtlCol="0">
+          <a:bodyPr wrap="square" rtlCol="0">
             <a:spAutoFit/>
           </a:bodyPr>
           <a:lstStyle/>
@@ -3357,22 +3357,34 @@
             <a:r>
               <a:rPr lang="en-US" dirty="0">
                 <a:solidFill>
-                  <a:srgbClr val="7030A0"/>
+                  <a:srgbClr val="002060"/>
+                </a:solidFill>
+                <a:latin typeface="Times New Roman" panose="02020603050405020304" pitchFamily="18" charset="0"/>
+                <a:cs typeface="Times New Roman" panose="02020603050405020304" pitchFamily="18" charset="0"/>
+              </a:rPr>
+              <a:t>V</a:t>
+            </a:r>
+            <a:r>
+              <a:rPr lang="en-US" baseline="-25000" dirty="0">
+                <a:solidFill>
+                  <a:srgbClr val="002060"/>
+                </a:solidFill>
+                <a:latin typeface="Times New Roman" panose="02020603050405020304" pitchFamily="18" charset="0"/>
+                <a:cs typeface="Times New Roman" panose="02020603050405020304" pitchFamily="18" charset="0"/>
+              </a:rPr>
+              <a:t>1</a:t>
+            </a:r>
+            <a:r>
+              <a:rPr lang="en-US" baseline="-25000" dirty="0">
+                <a:solidFill>
+                  <a:srgbClr val="002060"/>
                 </a:solidFill>
               </a:rPr>
-              <a:t>V</a:t>
-            </a:r>
-            <a:r>
-              <a:rPr lang="en-US" baseline="-25000" dirty="0">
-                <a:solidFill>
-                  <a:srgbClr val="7030A0"/>
-                </a:solidFill>
-              </a:rPr>
-              <a:t>a</a:t>
+              <a:t> </a:t>
             </a:r>
             <a:endParaRPr lang="en-US" dirty="0">
               <a:solidFill>
-                <a:srgbClr val="7030A0"/>
+                <a:srgbClr val="002060"/>
               </a:solidFill>
             </a:endParaRPr>
           </a:p>
@@ -3392,8 +3404,8 @@
         </p:nvSpPr>
         <p:spPr>
           <a:xfrm>
-            <a:off x="6568094" y="3244333"/>
-            <a:ext cx="390620" cy="369332"/>
+            <a:off x="6585670" y="3242827"/>
+            <a:ext cx="414472" cy="369332"/>
           </a:xfrm>
           <a:prstGeom prst="rect">
             <a:avLst/>
@@ -3413,6 +3425,8 @@
                     <a:lumMod val="75000"/>
                   </a:schemeClr>
                 </a:solidFill>
+                <a:latin typeface="Times New Roman" panose="02020603050405020304" pitchFamily="18" charset="0"/>
+                <a:cs typeface="Times New Roman" panose="02020603050405020304" pitchFamily="18" charset="0"/>
               </a:rPr>
               <a:t>V</a:t>
             </a:r>
@@ -3423,6 +3437,8 @@
                     <a:lumMod val="75000"/>
                   </a:schemeClr>
                 </a:solidFill>
+                <a:latin typeface="Times New Roman" panose="02020603050405020304" pitchFamily="18" charset="0"/>
+                <a:cs typeface="Times New Roman" panose="02020603050405020304" pitchFamily="18" charset="0"/>
               </a:rPr>
               <a:t>u</a:t>
             </a:r>
@@ -3432,16 +3448,18 @@
                   <a:lumMod val="75000"/>
                 </a:schemeClr>
               </a:solidFill>
+              <a:latin typeface="Times New Roman" panose="02020603050405020304" pitchFamily="18" charset="0"/>
+              <a:cs typeface="Times New Roman" panose="02020603050405020304" pitchFamily="18" charset="0"/>
             </a:endParaRPr>
           </a:p>
         </p:txBody>
       </p:sp>
       <p:sp>
         <p:nvSpPr>
-          <p:cNvPr id="17" name="TextBox 16">
-            <a:extLst>
-              <a:ext uri="{FF2B5EF4-FFF2-40B4-BE49-F238E27FC236}">
-                <a16:creationId xmlns:a16="http://schemas.microsoft.com/office/drawing/2014/main" id="{AE76B091-3171-48BE-89C8-770A38A4AD54}"/>
+          <p:cNvPr id="12" name="TextBox 11">
+            <a:extLst>
+              <a:ext uri="{FF2B5EF4-FFF2-40B4-BE49-F238E27FC236}">
+                <a16:creationId xmlns:a16="http://schemas.microsoft.com/office/drawing/2014/main" id="{00813ADE-86D1-4AC1-8288-F977B1EF7553}"/>
               </a:ext>
             </a:extLst>
           </p:cNvPr>
@@ -3450,8 +3468,8 @@
         </p:nvSpPr>
         <p:spPr>
           <a:xfrm>
-            <a:off x="7391615" y="3253999"/>
-            <a:ext cx="332142" cy="369332"/>
+            <a:off x="5800778" y="5231914"/>
+            <a:ext cx="394723" cy="369332"/>
           </a:xfrm>
           <a:prstGeom prst="rect">
             <a:avLst/>
@@ -3467,20 +3485,45 @@
             <a:r>
               <a:rPr lang="en-US" dirty="0">
                 <a:solidFill>
-                  <a:srgbClr val="92D050"/>
+                  <a:schemeClr val="bg2">
+                    <a:lumMod val="75000"/>
+                  </a:schemeClr>
                 </a:solidFill>
+                <a:latin typeface="Times New Roman" panose="02020603050405020304" pitchFamily="18" charset="0"/>
+                <a:cs typeface="Times New Roman" panose="02020603050405020304" pitchFamily="18" charset="0"/>
               </a:rPr>
-              <a:t>U</a:t>
-            </a:r>
-          </a:p>
-        </p:txBody>
-      </p:sp>
-      <p:sp>
-        <p:nvSpPr>
-          <p:cNvPr id="12" name="TextBox 11">
-            <a:extLst>
-              <a:ext uri="{FF2B5EF4-FFF2-40B4-BE49-F238E27FC236}">
-                <a16:creationId xmlns:a16="http://schemas.microsoft.com/office/drawing/2014/main" id="{00813ADE-86D1-4AC1-8288-F977B1EF7553}"/>
+              <a:t>V</a:t>
+            </a:r>
+            <a:r>
+              <a:rPr lang="en-US" baseline="-25000" dirty="0">
+                <a:solidFill>
+                  <a:schemeClr val="bg2">
+                    <a:lumMod val="75000"/>
+                  </a:schemeClr>
+                </a:solidFill>
+                <a:latin typeface="Times New Roman" panose="02020603050405020304" pitchFamily="18" charset="0"/>
+                <a:cs typeface="Times New Roman" panose="02020603050405020304" pitchFamily="18" charset="0"/>
+              </a:rPr>
+              <a:t>a</a:t>
+            </a:r>
+            <a:endParaRPr lang="en-US" dirty="0">
+              <a:solidFill>
+                <a:schemeClr val="bg2">
+                  <a:lumMod val="75000"/>
+                </a:schemeClr>
+              </a:solidFill>
+              <a:latin typeface="Times New Roman" panose="02020603050405020304" pitchFamily="18" charset="0"/>
+              <a:cs typeface="Times New Roman" panose="02020603050405020304" pitchFamily="18" charset="0"/>
+            </a:endParaRPr>
+          </a:p>
+        </p:txBody>
+      </p:sp>
+      <p:sp>
+        <p:nvSpPr>
+          <p:cNvPr id="14" name="TextBox 13">
+            <a:extLst>
+              <a:ext uri="{FF2B5EF4-FFF2-40B4-BE49-F238E27FC236}">
+                <a16:creationId xmlns:a16="http://schemas.microsoft.com/office/drawing/2014/main" id="{64C535F3-6CAF-4FA5-AE1B-3D2995E44C6F}"/>
               </a:ext>
             </a:extLst>
           </p:cNvPr>
@@ -3489,8 +3532,8 @@
         </p:nvSpPr>
         <p:spPr>
           <a:xfrm>
-            <a:off x="5807915" y="1488549"/>
-            <a:ext cx="377026" cy="369332"/>
+            <a:off x="5346026" y="3244633"/>
+            <a:ext cx="428322" cy="369332"/>
           </a:xfrm>
           <a:prstGeom prst="rect">
             <a:avLst/>
@@ -3505,34 +3548,31 @@
           <a:p>
             <a:r>
               <a:rPr lang="en-US" dirty="0">
-                <a:solidFill>
-                  <a:srgbClr val="7030A0"/>
-                </a:solidFill>
+                <a:latin typeface="Times New Roman" panose="02020603050405020304" pitchFamily="18" charset="0"/>
+                <a:cs typeface="Times New Roman" panose="02020603050405020304" pitchFamily="18" charset="0"/>
               </a:rPr>
               <a:t>V</a:t>
             </a:r>
             <a:r>
               <a:rPr lang="en-US" baseline="-25000" dirty="0">
-                <a:solidFill>
-                  <a:srgbClr val="7030A0"/>
-                </a:solidFill>
+                <a:latin typeface="Times New Roman" panose="02020603050405020304" pitchFamily="18" charset="0"/>
+                <a:cs typeface="Times New Roman" panose="02020603050405020304" pitchFamily="18" charset="0"/>
               </a:rPr>
-              <a:t>a</a:t>
+              <a:t>2</a:t>
             </a:r>
             <a:endParaRPr lang="en-US" dirty="0">
-              <a:solidFill>
-                <a:srgbClr val="7030A0"/>
-              </a:solidFill>
+              <a:latin typeface="Times New Roman" panose="02020603050405020304" pitchFamily="18" charset="0"/>
+              <a:cs typeface="Times New Roman" panose="02020603050405020304" pitchFamily="18" charset="0"/>
             </a:endParaRPr>
           </a:p>
         </p:txBody>
       </p:sp>
       <p:sp>
         <p:nvSpPr>
-          <p:cNvPr id="14" name="TextBox 13">
-            <a:extLst>
-              <a:ext uri="{FF2B5EF4-FFF2-40B4-BE49-F238E27FC236}">
-                <a16:creationId xmlns:a16="http://schemas.microsoft.com/office/drawing/2014/main" id="{64C535F3-6CAF-4FA5-AE1B-3D2995E44C6F}"/>
+          <p:cNvPr id="19" name="TextBox 18">
+            <a:extLst>
+              <a:ext uri="{FF2B5EF4-FFF2-40B4-BE49-F238E27FC236}">
+                <a16:creationId xmlns:a16="http://schemas.microsoft.com/office/drawing/2014/main" id="{47F663CA-236C-4F6C-8ADC-42E99649F46C}"/>
               </a:ext>
             </a:extLst>
           </p:cNvPr>
@@ -3541,8 +3581,8 @@
         </p:nvSpPr>
         <p:spPr>
           <a:xfrm>
-            <a:off x="5473382" y="3575049"/>
-            <a:ext cx="394660" cy="369332"/>
+            <a:off x="5670712" y="5809761"/>
+            <a:ext cx="479618" cy="369332"/>
           </a:xfrm>
           <a:prstGeom prst="rect">
             <a:avLst/>
@@ -3556,23 +3596,41 @@
           <a:lstStyle/>
           <a:p>
             <a:r>
-              <a:rPr lang="en-US" dirty="0"/>
-              <a:t>V</a:t>
-            </a:r>
-            <a:r>
-              <a:rPr lang="en-US" baseline="-25000" dirty="0"/>
+              <a:rPr lang="en-US" dirty="0">
+                <a:solidFill>
+                  <a:srgbClr val="00B050"/>
+                </a:solidFill>
+                <a:latin typeface="Times New Roman" panose="02020603050405020304" pitchFamily="18" charset="0"/>
+                <a:cs typeface="Times New Roman" panose="02020603050405020304" pitchFamily="18" charset="0"/>
+              </a:rPr>
+              <a:t>W</a:t>
+            </a:r>
+            <a:r>
+              <a:rPr lang="en-US" baseline="-25000" dirty="0">
+                <a:solidFill>
+                  <a:srgbClr val="00B050"/>
+                </a:solidFill>
+                <a:latin typeface="Times New Roman" panose="02020603050405020304" pitchFamily="18" charset="0"/>
+                <a:cs typeface="Times New Roman" panose="02020603050405020304" pitchFamily="18" charset="0"/>
+              </a:rPr>
               <a:t>2</a:t>
             </a:r>
-            <a:endParaRPr lang="en-US" dirty="0"/>
-          </a:p>
-        </p:txBody>
-      </p:sp>
-      <p:sp>
-        <p:nvSpPr>
-          <p:cNvPr id="19" name="TextBox 18">
-            <a:extLst>
-              <a:ext uri="{FF2B5EF4-FFF2-40B4-BE49-F238E27FC236}">
-                <a16:creationId xmlns:a16="http://schemas.microsoft.com/office/drawing/2014/main" id="{47F663CA-236C-4F6C-8ADC-42E99649F46C}"/>
+            <a:endParaRPr lang="en-US" dirty="0">
+              <a:solidFill>
+                <a:srgbClr val="00B050"/>
+              </a:solidFill>
+              <a:latin typeface="Times New Roman" panose="02020603050405020304" pitchFamily="18" charset="0"/>
+              <a:cs typeface="Times New Roman" panose="02020603050405020304" pitchFamily="18" charset="0"/>
+            </a:endParaRPr>
+          </a:p>
+        </p:txBody>
+      </p:sp>
+      <p:sp>
+        <p:nvSpPr>
+          <p:cNvPr id="22" name="TextBox 21">
+            <a:extLst>
+              <a:ext uri="{FF2B5EF4-FFF2-40B4-BE49-F238E27FC236}">
+                <a16:creationId xmlns:a16="http://schemas.microsoft.com/office/drawing/2014/main" id="{7C63DC23-DC22-4877-9C55-245F1075A731}"/>
               </a:ext>
             </a:extLst>
           </p:cNvPr>
@@ -3581,8 +3639,8 @@
         </p:nvSpPr>
         <p:spPr>
           <a:xfrm>
-            <a:off x="5640142" y="862685"/>
-            <a:ext cx="468398" cy="369332"/>
+            <a:off x="9986455" y="598829"/>
+            <a:ext cx="428322" cy="369332"/>
           </a:xfrm>
           <a:prstGeom prst="rect">
             <a:avLst/>
@@ -3598,33 +3656,39 @@
             <a:r>
               <a:rPr lang="en-US" dirty="0">
                 <a:solidFill>
-                  <a:srgbClr val="00B0F0"/>
+                  <a:srgbClr val="002060"/>
                 </a:solidFill>
+                <a:latin typeface="Times New Roman" panose="02020603050405020304" pitchFamily="18" charset="0"/>
+                <a:cs typeface="Times New Roman" panose="02020603050405020304" pitchFamily="18" charset="0"/>
               </a:rPr>
-              <a:t>W</a:t>
+              <a:t>V</a:t>
             </a:r>
             <a:r>
               <a:rPr lang="en-US" baseline="-25000" dirty="0">
                 <a:solidFill>
-                  <a:srgbClr val="00B0F0"/>
+                  <a:srgbClr val="002060"/>
                 </a:solidFill>
+                <a:latin typeface="Times New Roman" panose="02020603050405020304" pitchFamily="18" charset="0"/>
+                <a:cs typeface="Times New Roman" panose="02020603050405020304" pitchFamily="18" charset="0"/>
               </a:rPr>
-              <a:t>2</a:t>
+              <a:t>3</a:t>
             </a:r>
             <a:endParaRPr lang="en-US" dirty="0">
               <a:solidFill>
-                <a:srgbClr val="00B0F0"/>
+                <a:srgbClr val="002060"/>
               </a:solidFill>
+              <a:latin typeface="Times New Roman" panose="02020603050405020304" pitchFamily="18" charset="0"/>
+              <a:cs typeface="Times New Roman" panose="02020603050405020304" pitchFamily="18" charset="0"/>
             </a:endParaRPr>
           </a:p>
         </p:txBody>
       </p:sp>
       <p:sp>
         <p:nvSpPr>
-          <p:cNvPr id="22" name="TextBox 21">
-            <a:extLst>
-              <a:ext uri="{FF2B5EF4-FFF2-40B4-BE49-F238E27FC236}">
-                <a16:creationId xmlns:a16="http://schemas.microsoft.com/office/drawing/2014/main" id="{7C63DC23-DC22-4877-9C55-245F1075A731}"/>
+          <p:cNvPr id="24" name="TextBox 23">
+            <a:extLst>
+              <a:ext uri="{FF2B5EF4-FFF2-40B4-BE49-F238E27FC236}">
+                <a16:creationId xmlns:a16="http://schemas.microsoft.com/office/drawing/2014/main" id="{979EE969-71B8-4B51-B951-D6CDA8957938}"/>
               </a:ext>
             </a:extLst>
           </p:cNvPr>
@@ -3633,8 +3697,8 @@
         </p:nvSpPr>
         <p:spPr>
           <a:xfrm>
-            <a:off x="9807232" y="5893312"/>
-            <a:ext cx="377026" cy="369332"/>
+            <a:off x="11262795" y="3242827"/>
+            <a:ext cx="351378" cy="369332"/>
           </a:xfrm>
           <a:prstGeom prst="rect">
             <a:avLst/>
@@ -3650,33 +3714,24 @@
             <a:r>
               <a:rPr lang="en-US" dirty="0">
                 <a:solidFill>
-                  <a:srgbClr val="7030A0"/>
+                  <a:schemeClr val="accent2">
+                    <a:lumMod val="50000"/>
+                  </a:schemeClr>
                 </a:solidFill>
+                <a:latin typeface="Times New Roman" panose="02020603050405020304" pitchFamily="18" charset="0"/>
+                <a:cs typeface="Times New Roman" panose="02020603050405020304" pitchFamily="18" charset="0"/>
               </a:rPr>
-              <a:t>V</a:t>
-            </a:r>
-            <a:r>
-              <a:rPr lang="en-US" baseline="-25000" dirty="0">
-                <a:solidFill>
-                  <a:srgbClr val="7030A0"/>
-                </a:solidFill>
-              </a:rPr>
-              <a:t>a</a:t>
-            </a:r>
-            <a:endParaRPr lang="en-US" dirty="0">
-              <a:solidFill>
-                <a:srgbClr val="7030A0"/>
-              </a:solidFill>
-            </a:endParaRPr>
-          </a:p>
-        </p:txBody>
-      </p:sp>
-      <p:sp>
-        <p:nvSpPr>
-          <p:cNvPr id="24" name="TextBox 23">
-            <a:extLst>
-              <a:ext uri="{FF2B5EF4-FFF2-40B4-BE49-F238E27FC236}">
-                <a16:creationId xmlns:a16="http://schemas.microsoft.com/office/drawing/2014/main" id="{979EE969-71B8-4B51-B951-D6CDA8957938}"/>
+              <a:t>U</a:t>
+            </a:r>
+          </a:p>
+        </p:txBody>
+      </p:sp>
+      <p:sp>
+        <p:nvSpPr>
+          <p:cNvPr id="25" name="TextBox 24">
+            <a:extLst>
+              <a:ext uri="{FF2B5EF4-FFF2-40B4-BE49-F238E27FC236}">
+                <a16:creationId xmlns:a16="http://schemas.microsoft.com/office/drawing/2014/main" id="{4D63ABB4-2CDA-4358-BFA4-824C93B4ADC7}"/>
               </a:ext>
             </a:extLst>
           </p:cNvPr>
@@ -3685,8 +3740,8 @@
         </p:nvSpPr>
         <p:spPr>
           <a:xfrm>
-            <a:off x="11145293" y="3220575"/>
-            <a:ext cx="332142" cy="369332"/>
+            <a:off x="9573033" y="3271776"/>
+            <a:ext cx="479618" cy="369332"/>
           </a:xfrm>
           <a:prstGeom prst="rect">
             <a:avLst/>
@@ -3702,62 +3757,29 @@
             <a:r>
               <a:rPr lang="en-US" dirty="0">
                 <a:solidFill>
-                  <a:srgbClr val="92D050"/>
+                  <a:srgbClr val="00B050"/>
                 </a:solidFill>
-              </a:rPr>
-              <a:t>U</a:t>
-            </a:r>
-          </a:p>
-        </p:txBody>
-      </p:sp>
-      <p:sp>
-        <p:nvSpPr>
-          <p:cNvPr id="25" name="TextBox 24">
-            <a:extLst>
-              <a:ext uri="{FF2B5EF4-FFF2-40B4-BE49-F238E27FC236}">
-                <a16:creationId xmlns:a16="http://schemas.microsoft.com/office/drawing/2014/main" id="{4D63ABB4-2CDA-4358-BFA4-824C93B4ADC7}"/>
-              </a:ext>
-            </a:extLst>
-          </p:cNvPr>
-          <p:cNvSpPr txBox="1"/>
-          <p:nvPr/>
-        </p:nvSpPr>
-        <p:spPr>
-          <a:xfrm>
-            <a:off x="9493505" y="3205717"/>
-            <a:ext cx="468398" cy="369332"/>
-          </a:xfrm>
-          <a:prstGeom prst="rect">
-            <a:avLst/>
-          </a:prstGeom>
-          <a:noFill/>
-        </p:spPr>
-        <p:txBody>
-          <a:bodyPr wrap="none" rtlCol="0">
-            <a:spAutoFit/>
-          </a:bodyPr>
-          <a:lstStyle/>
-          <a:p>
-            <a:r>
-              <a:rPr lang="en-US" dirty="0">
-                <a:solidFill>
-                  <a:srgbClr val="00B0F0"/>
-                </a:solidFill>
+                <a:latin typeface="Times New Roman" panose="02020603050405020304" pitchFamily="18" charset="0"/>
+                <a:cs typeface="Times New Roman" panose="02020603050405020304" pitchFamily="18" charset="0"/>
               </a:rPr>
               <a:t>W</a:t>
             </a:r>
             <a:r>
               <a:rPr lang="en-US" baseline="-25000" dirty="0">
                 <a:solidFill>
-                  <a:srgbClr val="00B0F0"/>
+                  <a:srgbClr val="00B050"/>
                 </a:solidFill>
+                <a:latin typeface="Times New Roman" panose="02020603050405020304" pitchFamily="18" charset="0"/>
+                <a:cs typeface="Times New Roman" panose="02020603050405020304" pitchFamily="18" charset="0"/>
               </a:rPr>
               <a:t>3</a:t>
             </a:r>
             <a:endParaRPr lang="en-US" dirty="0">
               <a:solidFill>
-                <a:srgbClr val="00B0F0"/>
+                <a:srgbClr val="00B050"/>
               </a:solidFill>
+              <a:latin typeface="Times New Roman" panose="02020603050405020304" pitchFamily="18" charset="0"/>
+              <a:cs typeface="Times New Roman" panose="02020603050405020304" pitchFamily="18" charset="0"/>
             </a:endParaRPr>
           </a:p>
         </p:txBody>
@@ -3775,8 +3797,8 @@
           <p:nvPr/>
         </p:nvSpPr>
         <p:spPr>
-          <a:xfrm rot="4836001">
-            <a:off x="4653955" y="1253297"/>
+          <a:xfrm rot="1248361">
+            <a:off x="4606208" y="5197117"/>
             <a:ext cx="585971" cy="570890"/>
           </a:xfrm>
           <a:prstGeom prst="arc">
@@ -3784,7 +3806,7 @@
           </a:prstGeom>
           <a:ln w="9525" cap="flat" cmpd="sng" algn="ctr">
             <a:solidFill>
-              <a:schemeClr val="tx1"/>
+              <a:srgbClr val="002060"/>
             </a:solidFill>
             <a:prstDash val="solid"/>
             <a:round/>
@@ -3829,7 +3851,7 @@
         </p:nvSpPr>
         <p:spPr>
           <a:xfrm>
-            <a:off x="6615202" y="1144354"/>
+            <a:off x="6571869" y="5629291"/>
             <a:ext cx="409233" cy="276999"/>
           </a:xfrm>
           <a:prstGeom prst="rect">
@@ -3846,23 +3868,29 @@
             <a:r>
               <a:rPr lang="el-GR" sz="1200" dirty="0">
                 <a:solidFill>
-                  <a:srgbClr val="00B0F0"/>
+                  <a:srgbClr val="00B050"/>
                 </a:solidFill>
+                <a:latin typeface="Times New Roman" panose="02020603050405020304" pitchFamily="18" charset="0"/>
+                <a:cs typeface="Times New Roman" panose="02020603050405020304" pitchFamily="18" charset="0"/>
               </a:rPr>
               <a:t>β</a:t>
             </a:r>
             <a:r>
               <a:rPr lang="en-US" sz="1200" baseline="-25000" dirty="0">
                 <a:solidFill>
-                  <a:srgbClr val="00B0F0"/>
+                  <a:srgbClr val="00B050"/>
                 </a:solidFill>
+                <a:latin typeface="Times New Roman" panose="02020603050405020304" pitchFamily="18" charset="0"/>
+                <a:cs typeface="Times New Roman" panose="02020603050405020304" pitchFamily="18" charset="0"/>
               </a:rPr>
               <a:t>2</a:t>
             </a:r>
             <a:endParaRPr lang="en-US" sz="1200" dirty="0">
               <a:solidFill>
-                <a:srgbClr val="00B0F0"/>
+                <a:srgbClr val="00B050"/>
               </a:solidFill>
+              <a:latin typeface="Times New Roman" panose="02020603050405020304" pitchFamily="18" charset="0"/>
+              <a:cs typeface="Times New Roman" panose="02020603050405020304" pitchFamily="18" charset="0"/>
             </a:endParaRPr>
           </a:p>
         </p:txBody>
@@ -3881,7 +3909,7 @@
         </p:nvSpPr>
         <p:spPr>
           <a:xfrm>
-            <a:off x="5149212" y="1627139"/>
+            <a:off x="5141410" y="5199771"/>
             <a:ext cx="409233" cy="276999"/>
           </a:xfrm>
           <a:prstGeom prst="rect">
@@ -3896,14 +3924,32 @@
           <a:lstStyle/>
           <a:p>
             <a:r>
-              <a:rPr lang="el-GR" sz="1200" dirty="0"/>
+              <a:rPr lang="el-GR" sz="1200" dirty="0">
+                <a:solidFill>
+                  <a:srgbClr val="002060"/>
+                </a:solidFill>
+                <a:latin typeface="Times New Roman" panose="02020603050405020304" pitchFamily="18" charset="0"/>
+                <a:cs typeface="Times New Roman" panose="02020603050405020304" pitchFamily="18" charset="0"/>
+              </a:rPr>
               <a:t>α</a:t>
             </a:r>
             <a:r>
-              <a:rPr lang="en-US" sz="1200" baseline="-25000" dirty="0"/>
+              <a:rPr lang="en-US" sz="1200" baseline="-25000" dirty="0">
+                <a:solidFill>
+                  <a:srgbClr val="002060"/>
+                </a:solidFill>
+                <a:latin typeface="Times New Roman" panose="02020603050405020304" pitchFamily="18" charset="0"/>
+                <a:cs typeface="Times New Roman" panose="02020603050405020304" pitchFamily="18" charset="0"/>
+              </a:rPr>
               <a:t>2</a:t>
             </a:r>
-            <a:endParaRPr lang="en-US" sz="1200" dirty="0"/>
+            <a:endParaRPr lang="en-US" sz="1200" dirty="0">
+              <a:solidFill>
+                <a:srgbClr val="002060"/>
+              </a:solidFill>
+              <a:latin typeface="Times New Roman" panose="02020603050405020304" pitchFamily="18" charset="0"/>
+              <a:cs typeface="Times New Roman" panose="02020603050405020304" pitchFamily="18" charset="0"/>
+            </a:endParaRPr>
           </a:p>
         </p:txBody>
       </p:sp>
@@ -3921,7 +3967,7 @@
         </p:nvSpPr>
         <p:spPr>
           <a:xfrm>
-            <a:off x="9425244" y="5262556"/>
+            <a:off x="9572106" y="1282853"/>
             <a:ext cx="409233" cy="276999"/>
           </a:xfrm>
           <a:prstGeom prst="rect">
@@ -3938,7 +3984,7 @@
             <a:r>
               <a:rPr lang="el-GR" sz="1200" dirty="0">
                 <a:solidFill>
-                  <a:srgbClr val="00B0F0"/>
+                  <a:srgbClr val="00B050"/>
                 </a:solidFill>
               </a:rPr>
               <a:t>β</a:t>
@@ -3946,14 +3992,14 @@
             <a:r>
               <a:rPr lang="en-US" sz="1200" baseline="-25000" dirty="0">
                 <a:solidFill>
-                  <a:srgbClr val="00B0F0"/>
+                  <a:srgbClr val="00B050"/>
                 </a:solidFill>
               </a:rPr>
               <a:t>3</a:t>
             </a:r>
             <a:endParaRPr lang="en-US" sz="1200" dirty="0">
               <a:solidFill>
-                <a:srgbClr val="00B0F0"/>
+                <a:srgbClr val="00B050"/>
               </a:solidFill>
             </a:endParaRPr>
           </a:p>
@@ -3972,8 +4018,8 @@
           <p:nvPr/>
         </p:nvSpPr>
         <p:spPr>
-          <a:xfrm rot="673767">
-            <a:off x="8641346" y="5299466"/>
+          <a:xfrm rot="4528967">
+            <a:off x="8736594" y="591485"/>
             <a:ext cx="897033" cy="1027705"/>
           </a:xfrm>
           <a:prstGeom prst="arc">
@@ -3981,7 +4027,7 @@
           </a:prstGeom>
           <a:ln w="9525" cap="flat" cmpd="sng" algn="ctr">
             <a:solidFill>
-              <a:srgbClr val="00B0F0"/>
+              <a:srgbClr val="00B050"/>
             </a:solidFill>
             <a:prstDash val="solid"/>
             <a:round/>
@@ -4016,12 +4062,69 @@
           </a:p>
         </p:txBody>
       </p:sp>
+      <p:sp>
+        <p:nvSpPr>
+          <p:cNvPr id="53" name="Arc 52">
+            <a:extLst>
+              <a:ext uri="{FF2B5EF4-FFF2-40B4-BE49-F238E27FC236}">
+                <a16:creationId xmlns:a16="http://schemas.microsoft.com/office/drawing/2014/main" id="{29302B44-8786-4E43-89FD-E8CD277ED3AF}"/>
+              </a:ext>
+            </a:extLst>
+          </p:cNvPr>
+          <p:cNvSpPr/>
+          <p:nvPr/>
+        </p:nvSpPr>
+        <p:spPr>
+          <a:xfrm rot="2591252">
+            <a:off x="6148858" y="5517141"/>
+            <a:ext cx="433120" cy="558088"/>
+          </a:xfrm>
+          <a:prstGeom prst="arc">
+            <a:avLst/>
+          </a:prstGeom>
+          <a:ln w="9525" cap="flat" cmpd="sng" algn="ctr">
+            <a:solidFill>
+              <a:srgbClr val="00B050"/>
+            </a:solidFill>
+            <a:prstDash val="solid"/>
+            <a:round/>
+            <a:headEnd type="arrow" w="med" len="med"/>
+            <a:tailEnd type="arrow" w="med" len="med"/>
+          </a:ln>
+        </p:spPr>
+        <p:style>
+          <a:lnRef idx="0">
+            <a:scrgbClr r="0" g="0" b="0"/>
+          </a:lnRef>
+          <a:fillRef idx="0">
+            <a:scrgbClr r="0" g="0" b="0"/>
+          </a:fillRef>
+          <a:effectRef idx="0">
+            <a:scrgbClr r="0" g="0" b="0"/>
+          </a:effectRef>
+          <a:fontRef idx="minor">
+            <a:schemeClr val="tx1"/>
+          </a:fontRef>
+        </p:style>
+        <p:txBody>
+          <a:bodyPr rtlCol="0" anchor="ctr"/>
+          <a:lstStyle/>
+          <a:p>
+            <a:pPr algn="ctr"/>
+            <a:endParaRPr lang="en-US">
+              <a:solidFill>
+                <a:srgbClr val="00B050"/>
+              </a:solidFill>
+            </a:endParaRPr>
+          </a:p>
+        </p:txBody>
+      </p:sp>
       <p:cxnSp>
         <p:nvCxnSpPr>
-          <p:cNvPr id="37" name="Straight Arrow Connector 36">
-            <a:extLst>
-              <a:ext uri="{FF2B5EF4-FFF2-40B4-BE49-F238E27FC236}">
-                <a16:creationId xmlns:a16="http://schemas.microsoft.com/office/drawing/2014/main" id="{20A8C8B6-B2F2-46ED-A213-2F4463284504}"/>
+          <p:cNvPr id="34" name="Straight Arrow Connector 33">
+            <a:extLst>
+              <a:ext uri="{FF2B5EF4-FFF2-40B4-BE49-F238E27FC236}">
+                <a16:creationId xmlns:a16="http://schemas.microsoft.com/office/drawing/2014/main" id="{92DDBA13-D00A-4783-B28C-4B3BB18EC322}"/>
               </a:ext>
             </a:extLst>
           </p:cNvPr>
@@ -4032,17 +4135,15 @@
         </p:nvCxnSpPr>
         <p:spPr>
           <a:xfrm>
-            <a:off x="6978746" y="1480126"/>
-            <a:ext cx="0" cy="4644000"/>
+            <a:off x="882063" y="3201349"/>
+            <a:ext cx="2160000" cy="0"/>
           </a:xfrm>
           <a:prstGeom prst="straightConnector1">
             <a:avLst/>
           </a:prstGeom>
           <a:ln w="28575">
             <a:solidFill>
-              <a:schemeClr val="accent3">
-                <a:lumMod val="75000"/>
-              </a:schemeClr>
+              <a:srgbClr val="002060"/>
             </a:solidFill>
             <a:tailEnd type="triangle"/>
           </a:ln>
@@ -4064,10 +4165,10 @@
       </p:cxnSp>
       <p:cxnSp>
         <p:nvCxnSpPr>
-          <p:cNvPr id="38" name="Straight Arrow Connector 37">
-            <a:extLst>
-              <a:ext uri="{FF2B5EF4-FFF2-40B4-BE49-F238E27FC236}">
-                <a16:creationId xmlns:a16="http://schemas.microsoft.com/office/drawing/2014/main" id="{E91EDD1D-9C8D-4150-8FF7-F08D1A94A883}"/>
+          <p:cNvPr id="35" name="Straight Arrow Connector 34">
+            <a:extLst>
+              <a:ext uri="{FF2B5EF4-FFF2-40B4-BE49-F238E27FC236}">
+                <a16:creationId xmlns:a16="http://schemas.microsoft.com/office/drawing/2014/main" id="{9096BE64-7800-449A-BBE7-CE89E98E781E}"/>
               </a:ext>
             </a:extLst>
           </p:cNvPr>
@@ -4077,16 +4178,16 @@
           <p:nvPr/>
         </p:nvCxnSpPr>
         <p:spPr>
-          <a:xfrm>
-            <a:off x="7388223" y="1055326"/>
-            <a:ext cx="0" cy="5068800"/>
+          <a:xfrm flipV="1">
+            <a:off x="9068145" y="984699"/>
+            <a:ext cx="2160000" cy="0"/>
           </a:xfrm>
           <a:prstGeom prst="straightConnector1">
             <a:avLst/>
           </a:prstGeom>
           <a:ln w="28575">
             <a:solidFill>
-              <a:srgbClr val="92D050"/>
+              <a:srgbClr val="002060"/>
             </a:solidFill>
             <a:tailEnd type="triangle"/>
           </a:ln>
@@ -4108,10 +4209,10 @@
       </p:cxnSp>
       <p:cxnSp>
         <p:nvCxnSpPr>
-          <p:cNvPr id="40" name="Straight Arrow Connector 39">
-            <a:extLst>
-              <a:ext uri="{FF2B5EF4-FFF2-40B4-BE49-F238E27FC236}">
-                <a16:creationId xmlns:a16="http://schemas.microsoft.com/office/drawing/2014/main" id="{E96F63D3-FB86-4046-8118-2271446B98DA}"/>
+          <p:cNvPr id="36" name="Straight Arrow Connector 35">
+            <a:extLst>
+              <a:ext uri="{FF2B5EF4-FFF2-40B4-BE49-F238E27FC236}">
+                <a16:creationId xmlns:a16="http://schemas.microsoft.com/office/drawing/2014/main" id="{535993CA-9975-4F73-AD40-6EA5978A32D0}"/>
               </a:ext>
             </a:extLst>
           </p:cNvPr>
@@ -4121,16 +4222,18 @@
           <p:nvPr/>
         </p:nvCxnSpPr>
         <p:spPr>
-          <a:xfrm>
-            <a:off x="4826533" y="1480126"/>
-            <a:ext cx="2160000" cy="0"/>
+          <a:xfrm flipV="1">
+            <a:off x="11228145" y="984699"/>
+            <a:ext cx="0" cy="5068800"/>
           </a:xfrm>
           <a:prstGeom prst="straightConnector1">
             <a:avLst/>
           </a:prstGeom>
           <a:ln w="28575">
             <a:solidFill>
-              <a:srgbClr val="7030A0"/>
+              <a:schemeClr val="accent2">
+                <a:lumMod val="50000"/>
+              </a:schemeClr>
             </a:solidFill>
             <a:tailEnd type="triangle"/>
           </a:ln>
@@ -4152,10 +4255,10 @@
       </p:cxnSp>
       <p:cxnSp>
         <p:nvCxnSpPr>
-          <p:cNvPr id="41" name="Straight Arrow Connector 40">
-            <a:extLst>
-              <a:ext uri="{FF2B5EF4-FFF2-40B4-BE49-F238E27FC236}">
-                <a16:creationId xmlns:a16="http://schemas.microsoft.com/office/drawing/2014/main" id="{B965F7A0-5B7D-4B3C-AF18-7E4CDD5CDFFD}"/>
+          <p:cNvPr id="39" name="Straight Arrow Connector 38">
+            <a:extLst>
+              <a:ext uri="{FF2B5EF4-FFF2-40B4-BE49-F238E27FC236}">
+                <a16:creationId xmlns:a16="http://schemas.microsoft.com/office/drawing/2014/main" id="{6948130F-150C-4411-84A2-CADB60B44327}"/>
               </a:ext>
             </a:extLst>
           </p:cNvPr>
@@ -4165,16 +4268,16 @@
           <p:nvPr/>
         </p:nvCxnSpPr>
         <p:spPr>
-          <a:xfrm flipV="1">
-            <a:off x="4826533" y="1053989"/>
-            <a:ext cx="2164814" cy="427922"/>
+          <a:xfrm>
+            <a:off x="9068145" y="992428"/>
+            <a:ext cx="2163372" cy="5061070"/>
           </a:xfrm>
           <a:prstGeom prst="straightConnector1">
             <a:avLst/>
           </a:prstGeom>
           <a:ln w="28575">
             <a:solidFill>
-              <a:srgbClr val="00B0F0"/>
+              <a:srgbClr val="00B050"/>
             </a:solidFill>
             <a:tailEnd type="triangle"/>
           </a:ln>
@@ -4196,10 +4299,10 @@
       </p:cxnSp>
       <p:cxnSp>
         <p:nvCxnSpPr>
-          <p:cNvPr id="42" name="Straight Arrow Connector 41">
-            <a:extLst>
-              <a:ext uri="{FF2B5EF4-FFF2-40B4-BE49-F238E27FC236}">
-                <a16:creationId xmlns:a16="http://schemas.microsoft.com/office/drawing/2014/main" id="{E7439314-DE27-464F-B94F-BB76D961E2BC}"/>
+          <p:cNvPr id="55" name="Straight Connector 54">
+            <a:extLst>
+              <a:ext uri="{FF2B5EF4-FFF2-40B4-BE49-F238E27FC236}">
+                <a16:creationId xmlns:a16="http://schemas.microsoft.com/office/drawing/2014/main" id="{7B5E4746-BEA6-40C5-AB83-6418B5B1980B}"/>
               </a:ext>
             </a:extLst>
           </p:cNvPr>
@@ -4209,16 +4312,155 @@
           <p:nvPr/>
         </p:nvCxnSpPr>
         <p:spPr>
+          <a:xfrm flipV="1">
+            <a:off x="9068145" y="717360"/>
+            <a:ext cx="0" cy="5641574"/>
+          </a:xfrm>
+          <a:prstGeom prst="line">
+            <a:avLst/>
+          </a:prstGeom>
+          <a:ln w="6350" cap="flat" cmpd="sng" algn="ctr">
+            <a:solidFill>
+              <a:schemeClr val="dk1"/>
+            </a:solidFill>
+            <a:prstDash val="dash"/>
+            <a:round/>
+            <a:headEnd type="none" w="med" len="med"/>
+            <a:tailEnd type="none" w="med" len="med"/>
+          </a:ln>
+        </p:spPr>
+        <p:style>
+          <a:lnRef idx="0">
+            <a:scrgbClr r="0" g="0" b="0"/>
+          </a:lnRef>
+          <a:fillRef idx="0">
+            <a:scrgbClr r="0" g="0" b="0"/>
+          </a:fillRef>
+          <a:effectRef idx="0">
+            <a:scrgbClr r="0" g="0" b="0"/>
+          </a:effectRef>
+          <a:fontRef idx="minor">
+            <a:schemeClr val="tx1"/>
+          </a:fontRef>
+        </p:style>
+      </p:cxnSp>
+      <p:cxnSp>
+        <p:nvCxnSpPr>
+          <p:cNvPr id="56" name="Straight Connector 55">
+            <a:extLst>
+              <a:ext uri="{FF2B5EF4-FFF2-40B4-BE49-F238E27FC236}">
+                <a16:creationId xmlns:a16="http://schemas.microsoft.com/office/drawing/2014/main" id="{650F82A2-472B-4115-B00B-B919252599E6}"/>
+              </a:ext>
+            </a:extLst>
+          </p:cNvPr>
+          <p:cNvCxnSpPr>
+            <a:cxnSpLocks/>
+          </p:cNvCxnSpPr>
+          <p:nvPr/>
+        </p:nvCxnSpPr>
+        <p:spPr>
+          <a:xfrm flipV="1">
+            <a:off x="11228145" y="679263"/>
+            <a:ext cx="0" cy="5679671"/>
+          </a:xfrm>
+          <a:prstGeom prst="line">
+            <a:avLst/>
+          </a:prstGeom>
+          <a:ln w="6350" cap="flat" cmpd="sng" algn="ctr">
+            <a:solidFill>
+              <a:schemeClr val="dk1"/>
+            </a:solidFill>
+            <a:prstDash val="dash"/>
+            <a:round/>
+            <a:headEnd type="none" w="med" len="med"/>
+            <a:tailEnd type="none" w="med" len="med"/>
+          </a:ln>
+        </p:spPr>
+        <p:style>
+          <a:lnRef idx="0">
+            <a:scrgbClr r="0" g="0" b="0"/>
+          </a:lnRef>
+          <a:fillRef idx="0">
+            <a:scrgbClr r="0" g="0" b="0"/>
+          </a:fillRef>
+          <a:effectRef idx="0">
+            <a:scrgbClr r="0" g="0" b="0"/>
+          </a:effectRef>
+          <a:fontRef idx="minor">
+            <a:schemeClr val="tx1"/>
+          </a:fontRef>
+        </p:style>
+      </p:cxnSp>
+      <p:sp>
+        <p:nvSpPr>
+          <p:cNvPr id="57" name="TextBox 56">
+            <a:extLst>
+              <a:ext uri="{FF2B5EF4-FFF2-40B4-BE49-F238E27FC236}">
+                <a16:creationId xmlns:a16="http://schemas.microsoft.com/office/drawing/2014/main" id="{A6AF4430-8868-4BC1-A57A-8C85B4AFF9F0}"/>
+              </a:ext>
+            </a:extLst>
+          </p:cNvPr>
+          <p:cNvSpPr txBox="1"/>
+          <p:nvPr/>
+        </p:nvSpPr>
+        <p:spPr>
           <a:xfrm>
-            <a:off x="4826533" y="1481017"/>
-            <a:ext cx="2159999" cy="4643109"/>
+            <a:off x="7440449" y="3245474"/>
+            <a:ext cx="351378" cy="369332"/>
+          </a:xfrm>
+          <a:prstGeom prst="rect">
+            <a:avLst/>
+          </a:prstGeom>
+          <a:noFill/>
+        </p:spPr>
+        <p:txBody>
+          <a:bodyPr wrap="none" rtlCol="0">
+            <a:spAutoFit/>
+          </a:bodyPr>
+          <a:lstStyle/>
+          <a:p>
+            <a:r>
+              <a:rPr lang="en-US" dirty="0">
+                <a:solidFill>
+                  <a:schemeClr val="accent2">
+                    <a:lumMod val="50000"/>
+                  </a:schemeClr>
+                </a:solidFill>
+                <a:latin typeface="Times New Roman" panose="02020603050405020304" pitchFamily="18" charset="0"/>
+                <a:cs typeface="Times New Roman" panose="02020603050405020304" pitchFamily="18" charset="0"/>
+              </a:rPr>
+              <a:t>U</a:t>
+            </a:r>
+          </a:p>
+        </p:txBody>
+      </p:sp>
+      <p:cxnSp>
+        <p:nvCxnSpPr>
+          <p:cNvPr id="58" name="Straight Arrow Connector 57">
+            <a:extLst>
+              <a:ext uri="{FF2B5EF4-FFF2-40B4-BE49-F238E27FC236}">
+                <a16:creationId xmlns:a16="http://schemas.microsoft.com/office/drawing/2014/main" id="{7B382003-330E-403F-B518-44E42B20079B}"/>
+              </a:ext>
+            </a:extLst>
+          </p:cNvPr>
+          <p:cNvCxnSpPr>
+            <a:cxnSpLocks/>
+          </p:cNvCxnSpPr>
+          <p:nvPr/>
+        </p:nvCxnSpPr>
+        <p:spPr>
+          <a:xfrm flipV="1">
+            <a:off x="6980296" y="957247"/>
+            <a:ext cx="0" cy="4644000"/>
           </a:xfrm>
           <a:prstGeom prst="straightConnector1">
             <a:avLst/>
           </a:prstGeom>
           <a:ln w="28575">
             <a:solidFill>
-              <a:schemeClr val="tx1"/>
+              <a:schemeClr val="accent3">
+                <a:lumMod val="75000"/>
+              </a:schemeClr>
             </a:solidFill>
             <a:tailEnd type="triangle"/>
           </a:ln>
@@ -4240,10 +4482,10 @@
       </p:cxnSp>
       <p:cxnSp>
         <p:nvCxnSpPr>
-          <p:cNvPr id="43" name="Straight Connector 42">
-            <a:extLst>
-              <a:ext uri="{FF2B5EF4-FFF2-40B4-BE49-F238E27FC236}">
-                <a16:creationId xmlns:a16="http://schemas.microsoft.com/office/drawing/2014/main" id="{985E1DD5-0C79-4A93-8FED-5FD40C2A04B6}"/>
+          <p:cNvPr id="59" name="Straight Arrow Connector 58">
+            <a:extLst>
+              <a:ext uri="{FF2B5EF4-FFF2-40B4-BE49-F238E27FC236}">
+                <a16:creationId xmlns:a16="http://schemas.microsoft.com/office/drawing/2014/main" id="{B026B858-E5F8-4E3B-A51D-F67C23E0436B}"/>
               </a:ext>
             </a:extLst>
           </p:cNvPr>
@@ -4253,9 +4495,189 @@
           <p:nvPr/>
         </p:nvCxnSpPr>
         <p:spPr>
+          <a:xfrm flipV="1">
+            <a:off x="7381986" y="957247"/>
+            <a:ext cx="0" cy="5068800"/>
+          </a:xfrm>
+          <a:prstGeom prst="straightConnector1">
+            <a:avLst/>
+          </a:prstGeom>
+          <a:ln w="28575">
+            <a:solidFill>
+              <a:schemeClr val="accent2">
+                <a:lumMod val="50000"/>
+              </a:schemeClr>
+            </a:solidFill>
+            <a:tailEnd type="triangle"/>
+          </a:ln>
+        </p:spPr>
+        <p:style>
+          <a:lnRef idx="1">
+            <a:schemeClr val="accent1"/>
+          </a:lnRef>
+          <a:fillRef idx="0">
+            <a:schemeClr val="accent1"/>
+          </a:fillRef>
+          <a:effectRef idx="0">
+            <a:schemeClr val="accent1"/>
+          </a:effectRef>
+          <a:fontRef idx="minor">
+            <a:schemeClr val="tx1"/>
+          </a:fontRef>
+        </p:style>
+      </p:cxnSp>
+      <p:cxnSp>
+        <p:nvCxnSpPr>
+          <p:cNvPr id="60" name="Straight Arrow Connector 59">
+            <a:extLst>
+              <a:ext uri="{FF2B5EF4-FFF2-40B4-BE49-F238E27FC236}">
+                <a16:creationId xmlns:a16="http://schemas.microsoft.com/office/drawing/2014/main" id="{CA18AB2B-D058-41CA-801C-5813999AE867}"/>
+              </a:ext>
+            </a:extLst>
+          </p:cNvPr>
+          <p:cNvCxnSpPr>
+            <a:cxnSpLocks/>
+          </p:cNvCxnSpPr>
+          <p:nvPr/>
+        </p:nvCxnSpPr>
+        <p:spPr>
           <a:xfrm>
-            <a:off x="4826533" y="733873"/>
-            <a:ext cx="0" cy="5756574"/>
+            <a:off x="4820295" y="5601247"/>
+            <a:ext cx="2160000" cy="0"/>
+          </a:xfrm>
+          <a:prstGeom prst="straightConnector1">
+            <a:avLst/>
+          </a:prstGeom>
+          <a:ln w="28575">
+            <a:solidFill>
+              <a:schemeClr val="bg2">
+                <a:lumMod val="75000"/>
+              </a:schemeClr>
+            </a:solidFill>
+            <a:tailEnd type="triangle"/>
+          </a:ln>
+        </p:spPr>
+        <p:style>
+          <a:lnRef idx="1">
+            <a:schemeClr val="accent1"/>
+          </a:lnRef>
+          <a:fillRef idx="0">
+            <a:schemeClr val="accent1"/>
+          </a:fillRef>
+          <a:effectRef idx="0">
+            <a:schemeClr val="accent1"/>
+          </a:effectRef>
+          <a:fontRef idx="minor">
+            <a:schemeClr val="tx1"/>
+          </a:fontRef>
+        </p:style>
+      </p:cxnSp>
+      <p:cxnSp>
+        <p:nvCxnSpPr>
+          <p:cNvPr id="61" name="Straight Arrow Connector 60">
+            <a:extLst>
+              <a:ext uri="{FF2B5EF4-FFF2-40B4-BE49-F238E27FC236}">
+                <a16:creationId xmlns:a16="http://schemas.microsoft.com/office/drawing/2014/main" id="{E45EF22B-7913-41F0-82DE-F010A7259055}"/>
+              </a:ext>
+            </a:extLst>
+          </p:cNvPr>
+          <p:cNvCxnSpPr>
+            <a:cxnSpLocks/>
+          </p:cNvCxnSpPr>
+          <p:nvPr/>
+        </p:nvCxnSpPr>
+        <p:spPr>
+          <a:xfrm>
+            <a:off x="4816925" y="5601247"/>
+            <a:ext cx="2164814" cy="427922"/>
+          </a:xfrm>
+          <a:prstGeom prst="straightConnector1">
+            <a:avLst/>
+          </a:prstGeom>
+          <a:ln w="28575">
+            <a:solidFill>
+              <a:srgbClr val="00B050"/>
+            </a:solidFill>
+            <a:tailEnd type="triangle"/>
+          </a:ln>
+        </p:spPr>
+        <p:style>
+          <a:lnRef idx="1">
+            <a:schemeClr val="accent1"/>
+          </a:lnRef>
+          <a:fillRef idx="0">
+            <a:schemeClr val="accent1"/>
+          </a:fillRef>
+          <a:effectRef idx="0">
+            <a:schemeClr val="accent1"/>
+          </a:effectRef>
+          <a:fontRef idx="minor">
+            <a:schemeClr val="tx1"/>
+          </a:fontRef>
+        </p:style>
+      </p:cxnSp>
+      <p:cxnSp>
+        <p:nvCxnSpPr>
+          <p:cNvPr id="62" name="Straight Arrow Connector 61">
+            <a:extLst>
+              <a:ext uri="{FF2B5EF4-FFF2-40B4-BE49-F238E27FC236}">
+                <a16:creationId xmlns:a16="http://schemas.microsoft.com/office/drawing/2014/main" id="{5346B728-2753-4F24-AD2C-DCB863186C82}"/>
+              </a:ext>
+            </a:extLst>
+          </p:cNvPr>
+          <p:cNvCxnSpPr>
+            <a:cxnSpLocks/>
+          </p:cNvCxnSpPr>
+          <p:nvPr/>
+        </p:nvCxnSpPr>
+        <p:spPr>
+          <a:xfrm flipV="1">
+            <a:off x="4820296" y="958138"/>
+            <a:ext cx="2159999" cy="4643110"/>
+          </a:xfrm>
+          <a:prstGeom prst="straightConnector1">
+            <a:avLst/>
+          </a:prstGeom>
+          <a:ln w="28575">
+            <a:solidFill>
+              <a:srgbClr val="002060"/>
+            </a:solidFill>
+            <a:tailEnd type="triangle"/>
+          </a:ln>
+        </p:spPr>
+        <p:style>
+          <a:lnRef idx="1">
+            <a:schemeClr val="accent1"/>
+          </a:lnRef>
+          <a:fillRef idx="0">
+            <a:schemeClr val="accent1"/>
+          </a:fillRef>
+          <a:effectRef idx="0">
+            <a:schemeClr val="accent1"/>
+          </a:effectRef>
+          <a:fontRef idx="minor">
+            <a:schemeClr val="tx1"/>
+          </a:fontRef>
+        </p:style>
+      </p:cxnSp>
+      <p:cxnSp>
+        <p:nvCxnSpPr>
+          <p:cNvPr id="63" name="Straight Connector 62">
+            <a:extLst>
+              <a:ext uri="{FF2B5EF4-FFF2-40B4-BE49-F238E27FC236}">
+                <a16:creationId xmlns:a16="http://schemas.microsoft.com/office/drawing/2014/main" id="{0B4AEE35-82B0-4F53-9ED6-82FFB1F2469E}"/>
+              </a:ext>
+            </a:extLst>
+          </p:cNvPr>
+          <p:cNvCxnSpPr>
+            <a:cxnSpLocks/>
+          </p:cNvCxnSpPr>
+          <p:nvPr/>
+        </p:nvCxnSpPr>
+        <p:spPr>
+          <a:xfrm flipV="1">
+            <a:off x="4820297" y="564959"/>
+            <a:ext cx="0" cy="5641575"/>
           </a:xfrm>
           <a:prstGeom prst="line">
             <a:avLst/>
@@ -4287,10 +4709,10 @@
       </p:cxnSp>
       <p:cxnSp>
         <p:nvCxnSpPr>
-          <p:cNvPr id="44" name="Straight Connector 43">
-            <a:extLst>
-              <a:ext uri="{FF2B5EF4-FFF2-40B4-BE49-F238E27FC236}">
-                <a16:creationId xmlns:a16="http://schemas.microsoft.com/office/drawing/2014/main" id="{B94A6538-E16A-45E2-AD78-94738190D05E}"/>
+          <p:cNvPr id="64" name="Straight Connector 63">
+            <a:extLst>
+              <a:ext uri="{FF2B5EF4-FFF2-40B4-BE49-F238E27FC236}">
+                <a16:creationId xmlns:a16="http://schemas.microsoft.com/office/drawing/2014/main" id="{404745C0-4AEF-4F6E-80DB-8B1913F4307B}"/>
               </a:ext>
             </a:extLst>
           </p:cNvPr>
@@ -4300,9 +4722,9 @@
           <p:nvPr/>
         </p:nvCxnSpPr>
         <p:spPr>
-          <a:xfrm>
-            <a:off x="7388223" y="772324"/>
-            <a:ext cx="0" cy="5679671"/>
+          <a:xfrm flipV="1">
+            <a:off x="7381986" y="564959"/>
+            <a:ext cx="0" cy="5641576"/>
           </a:xfrm>
           <a:prstGeom prst="line">
             <a:avLst/>
@@ -4334,10 +4756,10 @@
       </p:cxnSp>
       <p:cxnSp>
         <p:nvCxnSpPr>
-          <p:cNvPr id="45" name="Straight Connector 44">
-            <a:extLst>
-              <a:ext uri="{FF2B5EF4-FFF2-40B4-BE49-F238E27FC236}">
-                <a16:creationId xmlns:a16="http://schemas.microsoft.com/office/drawing/2014/main" id="{B364AA5C-EAB7-4923-8591-B85EB9E48A45}"/>
+          <p:cNvPr id="65" name="Straight Connector 64">
+            <a:extLst>
+              <a:ext uri="{FF2B5EF4-FFF2-40B4-BE49-F238E27FC236}">
+                <a16:creationId xmlns:a16="http://schemas.microsoft.com/office/drawing/2014/main" id="{1BD57B16-0262-4F8F-BACF-82E848CC3492}"/>
               </a:ext>
             </a:extLst>
           </p:cNvPr>
@@ -4348,7 +4770,7 @@
         </p:nvCxnSpPr>
         <p:spPr>
           <a:xfrm>
-            <a:off x="6832051" y="6124126"/>
+            <a:off x="6825814" y="5601247"/>
             <a:ext cx="699296" cy="0"/>
           </a:xfrm>
           <a:prstGeom prst="line">
@@ -4381,10 +4803,10 @@
       </p:cxnSp>
       <p:cxnSp>
         <p:nvCxnSpPr>
-          <p:cNvPr id="46" name="Straight Connector 45">
-            <a:extLst>
-              <a:ext uri="{FF2B5EF4-FFF2-40B4-BE49-F238E27FC236}">
-                <a16:creationId xmlns:a16="http://schemas.microsoft.com/office/drawing/2014/main" id="{BA232EF8-886F-4454-AC16-2E058B6BD49B}"/>
+          <p:cNvPr id="66" name="Straight Connector 65">
+            <a:extLst>
+              <a:ext uri="{FF2B5EF4-FFF2-40B4-BE49-F238E27FC236}">
+                <a16:creationId xmlns:a16="http://schemas.microsoft.com/office/drawing/2014/main" id="{29258B8B-5AEA-48DD-86A4-E6E9FB1890B9}"/>
               </a:ext>
             </a:extLst>
           </p:cNvPr>
@@ -4395,7 +4817,7 @@
         </p:nvCxnSpPr>
         <p:spPr>
           <a:xfrm>
-            <a:off x="6832051" y="1055326"/>
+            <a:off x="6849475" y="957247"/>
             <a:ext cx="699296" cy="0"/>
           </a:xfrm>
           <a:prstGeom prst="line">
@@ -4428,10 +4850,10 @@
       </p:cxnSp>
       <p:cxnSp>
         <p:nvCxnSpPr>
-          <p:cNvPr id="47" name="Straight Arrow Connector 46">
-            <a:extLst>
-              <a:ext uri="{FF2B5EF4-FFF2-40B4-BE49-F238E27FC236}">
-                <a16:creationId xmlns:a16="http://schemas.microsoft.com/office/drawing/2014/main" id="{E224E5FA-01E1-4A57-BAA8-4D041EE2854E}"/>
+          <p:cNvPr id="67" name="Straight Connector 66">
+            <a:extLst>
+              <a:ext uri="{FF2B5EF4-FFF2-40B4-BE49-F238E27FC236}">
+                <a16:creationId xmlns:a16="http://schemas.microsoft.com/office/drawing/2014/main" id="{E04475A3-5B1E-4921-BE2B-B1B73F1D5760}"/>
               </a:ext>
             </a:extLst>
           </p:cNvPr>
@@ -4441,185 +4863,9 @@
           <p:nvPr/>
         </p:nvCxnSpPr>
         <p:spPr>
-          <a:xfrm>
-            <a:off x="729663" y="3048949"/>
-            <a:ext cx="2160000" cy="0"/>
-          </a:xfrm>
-          <a:prstGeom prst="straightConnector1">
-            <a:avLst/>
-          </a:prstGeom>
-          <a:ln w="28575">
-            <a:solidFill>
-              <a:srgbClr val="7030A0"/>
-            </a:solidFill>
-            <a:tailEnd type="triangle"/>
-          </a:ln>
-        </p:spPr>
-        <p:style>
-          <a:lnRef idx="1">
-            <a:schemeClr val="accent1"/>
-          </a:lnRef>
-          <a:fillRef idx="0">
-            <a:schemeClr val="accent1"/>
-          </a:fillRef>
-          <a:effectRef idx="0">
-            <a:schemeClr val="accent1"/>
-          </a:effectRef>
-          <a:fontRef idx="minor">
-            <a:schemeClr val="tx1"/>
-          </a:fontRef>
-        </p:style>
-      </p:cxnSp>
-      <p:cxnSp>
-        <p:nvCxnSpPr>
-          <p:cNvPr id="48" name="Straight Arrow Connector 47">
-            <a:extLst>
-              <a:ext uri="{FF2B5EF4-FFF2-40B4-BE49-F238E27FC236}">
-                <a16:creationId xmlns:a16="http://schemas.microsoft.com/office/drawing/2014/main" id="{F170CE4E-0819-4FBE-94A0-626ED757EA90}"/>
-              </a:ext>
-            </a:extLst>
-          </p:cNvPr>
-          <p:cNvCxnSpPr>
-            <a:cxnSpLocks/>
-          </p:cNvCxnSpPr>
-          <p:nvPr/>
-        </p:nvCxnSpPr>
-        <p:spPr>
-          <a:xfrm>
-            <a:off x="8915745" y="5901099"/>
-            <a:ext cx="2160000" cy="0"/>
-          </a:xfrm>
-          <a:prstGeom prst="straightConnector1">
-            <a:avLst/>
-          </a:prstGeom>
-          <a:ln w="28575">
-            <a:solidFill>
-              <a:srgbClr val="7030A0"/>
-            </a:solidFill>
-            <a:tailEnd type="triangle"/>
-          </a:ln>
-        </p:spPr>
-        <p:style>
-          <a:lnRef idx="1">
-            <a:schemeClr val="accent1"/>
-          </a:lnRef>
-          <a:fillRef idx="0">
-            <a:schemeClr val="accent1"/>
-          </a:fillRef>
-          <a:effectRef idx="0">
-            <a:schemeClr val="accent1"/>
-          </a:effectRef>
-          <a:fontRef idx="minor">
-            <a:schemeClr val="tx1"/>
-          </a:fontRef>
-        </p:style>
-      </p:cxnSp>
-      <p:cxnSp>
-        <p:nvCxnSpPr>
-          <p:cNvPr id="49" name="Straight Arrow Connector 48">
-            <a:extLst>
-              <a:ext uri="{FF2B5EF4-FFF2-40B4-BE49-F238E27FC236}">
-                <a16:creationId xmlns:a16="http://schemas.microsoft.com/office/drawing/2014/main" id="{F432BA9E-5447-4FCC-B5D5-46561B2CCC4E}"/>
-              </a:ext>
-            </a:extLst>
-          </p:cNvPr>
-          <p:cNvCxnSpPr>
-            <a:cxnSpLocks/>
-          </p:cNvCxnSpPr>
-          <p:nvPr/>
-        </p:nvCxnSpPr>
-        <p:spPr>
-          <a:xfrm>
-            <a:off x="11075745" y="832299"/>
-            <a:ext cx="0" cy="5068800"/>
-          </a:xfrm>
-          <a:prstGeom prst="straightConnector1">
-            <a:avLst/>
-          </a:prstGeom>
-          <a:ln w="28575">
-            <a:solidFill>
-              <a:srgbClr val="92D050"/>
-            </a:solidFill>
-            <a:tailEnd type="triangle"/>
-          </a:ln>
-        </p:spPr>
-        <p:style>
-          <a:lnRef idx="1">
-            <a:schemeClr val="accent1"/>
-          </a:lnRef>
-          <a:fillRef idx="0">
-            <a:schemeClr val="accent1"/>
-          </a:fillRef>
-          <a:effectRef idx="0">
-            <a:schemeClr val="accent1"/>
-          </a:effectRef>
-          <a:fontRef idx="minor">
-            <a:schemeClr val="tx1"/>
-          </a:fontRef>
-        </p:style>
-      </p:cxnSp>
-      <p:cxnSp>
-        <p:nvCxnSpPr>
-          <p:cNvPr id="50" name="Straight Arrow Connector 49">
-            <a:extLst>
-              <a:ext uri="{FF2B5EF4-FFF2-40B4-BE49-F238E27FC236}">
-                <a16:creationId xmlns:a16="http://schemas.microsoft.com/office/drawing/2014/main" id="{7C5B35A9-8292-40DD-8DD5-FC65AAC12BAC}"/>
-              </a:ext>
-            </a:extLst>
-          </p:cNvPr>
-          <p:cNvCxnSpPr>
-            <a:cxnSpLocks/>
-          </p:cNvCxnSpPr>
-          <p:nvPr/>
-        </p:nvCxnSpPr>
-        <p:spPr>
           <a:xfrm flipV="1">
-            <a:off x="8915745" y="840028"/>
-            <a:ext cx="2163372" cy="5061070"/>
-          </a:xfrm>
-          <a:prstGeom prst="straightConnector1">
-            <a:avLst/>
-          </a:prstGeom>
-          <a:ln w="28575">
-            <a:solidFill>
-              <a:srgbClr val="00B0F0"/>
-            </a:solidFill>
-            <a:tailEnd type="triangle"/>
-          </a:ln>
-        </p:spPr>
-        <p:style>
-          <a:lnRef idx="1">
-            <a:schemeClr val="accent1"/>
-          </a:lnRef>
-          <a:fillRef idx="0">
-            <a:schemeClr val="accent1"/>
-          </a:fillRef>
-          <a:effectRef idx="0">
-            <a:schemeClr val="accent1"/>
-          </a:effectRef>
-          <a:fontRef idx="minor">
-            <a:schemeClr val="tx1"/>
-          </a:fontRef>
-        </p:style>
-      </p:cxnSp>
-      <p:cxnSp>
-        <p:nvCxnSpPr>
-          <p:cNvPr id="51" name="Straight Connector 50">
-            <a:extLst>
-              <a:ext uri="{FF2B5EF4-FFF2-40B4-BE49-F238E27FC236}">
-                <a16:creationId xmlns:a16="http://schemas.microsoft.com/office/drawing/2014/main" id="{C579AF6C-34D9-4D91-832C-8B0C42BD1AD0}"/>
-              </a:ext>
-            </a:extLst>
-          </p:cNvPr>
-          <p:cNvCxnSpPr>
-            <a:cxnSpLocks/>
-          </p:cNvCxnSpPr>
-          <p:nvPr/>
-        </p:nvCxnSpPr>
-        <p:spPr>
-          <a:xfrm>
-            <a:off x="8915745" y="564959"/>
-            <a:ext cx="0" cy="5641575"/>
+            <a:off x="6980295" y="564959"/>
+            <a:ext cx="0" cy="5641576"/>
           </a:xfrm>
           <a:prstGeom prst="line">
             <a:avLst/>
@@ -4651,10 +4897,10 @@
       </p:cxnSp>
       <p:cxnSp>
         <p:nvCxnSpPr>
-          <p:cNvPr id="52" name="Straight Connector 51">
-            <a:extLst>
-              <a:ext uri="{FF2B5EF4-FFF2-40B4-BE49-F238E27FC236}">
-                <a16:creationId xmlns:a16="http://schemas.microsoft.com/office/drawing/2014/main" id="{003A6274-B682-4929-815B-51BDA56B7E76}"/>
+          <p:cNvPr id="68" name="Straight Connector 67">
+            <a:extLst>
+              <a:ext uri="{FF2B5EF4-FFF2-40B4-BE49-F238E27FC236}">
+                <a16:creationId xmlns:a16="http://schemas.microsoft.com/office/drawing/2014/main" id="{A037D807-B721-4E61-8F3D-64761F87588A}"/>
               </a:ext>
             </a:extLst>
           </p:cNvPr>
@@ -4665,112 +4911,8 @@
         </p:nvCxnSpPr>
         <p:spPr>
           <a:xfrm>
-            <a:off x="11075745" y="526863"/>
-            <a:ext cx="0" cy="5679671"/>
-          </a:xfrm>
-          <a:prstGeom prst="line">
-            <a:avLst/>
-          </a:prstGeom>
-          <a:ln w="6350" cap="flat" cmpd="sng" algn="ctr">
-            <a:solidFill>
-              <a:schemeClr val="dk1"/>
-            </a:solidFill>
-            <a:prstDash val="dash"/>
-            <a:round/>
-            <a:headEnd type="none" w="med" len="med"/>
-            <a:tailEnd type="none" w="med" len="med"/>
-          </a:ln>
-        </p:spPr>
-        <p:style>
-          <a:lnRef idx="0">
-            <a:scrgbClr r="0" g="0" b="0"/>
-          </a:lnRef>
-          <a:fillRef idx="0">
-            <a:scrgbClr r="0" g="0" b="0"/>
-          </a:fillRef>
-          <a:effectRef idx="0">
-            <a:scrgbClr r="0" g="0" b="0"/>
-          </a:effectRef>
-          <a:fontRef idx="minor">
-            <a:schemeClr val="tx1"/>
-          </a:fontRef>
-        </p:style>
-      </p:cxnSp>
-      <p:sp>
-        <p:nvSpPr>
-          <p:cNvPr id="53" name="Arc 52">
-            <a:extLst>
-              <a:ext uri="{FF2B5EF4-FFF2-40B4-BE49-F238E27FC236}">
-                <a16:creationId xmlns:a16="http://schemas.microsoft.com/office/drawing/2014/main" id="{29302B44-8786-4E43-89FD-E8CD277ED3AF}"/>
-              </a:ext>
-            </a:extLst>
-          </p:cNvPr>
-          <p:cNvSpPr/>
-          <p:nvPr/>
-        </p:nvSpPr>
-        <p:spPr>
-          <a:xfrm rot="1021731">
-            <a:off x="6226805" y="1156364"/>
-            <a:ext cx="433120" cy="558088"/>
-          </a:xfrm>
-          <a:prstGeom prst="arc">
-            <a:avLst/>
-          </a:prstGeom>
-          <a:ln w="9525" cap="flat" cmpd="sng" algn="ctr">
-            <a:solidFill>
-              <a:srgbClr val="00B0F0"/>
-            </a:solidFill>
-            <a:prstDash val="solid"/>
-            <a:round/>
-            <a:headEnd type="arrow" w="med" len="med"/>
-            <a:tailEnd type="arrow" w="med" len="med"/>
-          </a:ln>
-        </p:spPr>
-        <p:style>
-          <a:lnRef idx="0">
-            <a:scrgbClr r="0" g="0" b="0"/>
-          </a:lnRef>
-          <a:fillRef idx="0">
-            <a:scrgbClr r="0" g="0" b="0"/>
-          </a:fillRef>
-          <a:effectRef idx="0">
-            <a:scrgbClr r="0" g="0" b="0"/>
-          </a:effectRef>
-          <a:fontRef idx="minor">
-            <a:schemeClr val="tx1"/>
-          </a:fontRef>
-        </p:style>
-        <p:txBody>
-          <a:bodyPr rtlCol="0" anchor="ctr"/>
-          <a:lstStyle/>
-          <a:p>
-            <a:pPr algn="ctr"/>
-            <a:endParaRPr lang="en-US">
-              <a:solidFill>
-                <a:srgbClr val="00B0F0"/>
-              </a:solidFill>
-            </a:endParaRPr>
-          </a:p>
-        </p:txBody>
-      </p:sp>
-      <p:cxnSp>
-        <p:nvCxnSpPr>
-          <p:cNvPr id="54" name="Straight Connector 53">
-            <a:extLst>
-              <a:ext uri="{FF2B5EF4-FFF2-40B4-BE49-F238E27FC236}">
-                <a16:creationId xmlns:a16="http://schemas.microsoft.com/office/drawing/2014/main" id="{09BC86E9-D557-4E3F-B2FE-94FB48726E2F}"/>
-              </a:ext>
-            </a:extLst>
-          </p:cNvPr>
-          <p:cNvCxnSpPr>
-            <a:cxnSpLocks/>
-          </p:cNvCxnSpPr>
-          <p:nvPr/>
-        </p:nvCxnSpPr>
-        <p:spPr>
-          <a:xfrm>
-            <a:off x="6978746" y="783495"/>
-            <a:ext cx="0" cy="5679671"/>
+            <a:off x="6857413" y="6029169"/>
+            <a:ext cx="699296" cy="0"/>
           </a:xfrm>
           <a:prstGeom prst="line">
             <a:avLst/>
